--- a/PPT/Apresentação.pptx
+++ b/PPT/Apresentação.pptx
@@ -6,13 +6,14 @@
   </p:sldMasterIdLst>
   <p:sldIdLst>
     <p:sldId id="256" r:id="rId2"/>
-    <p:sldId id="257" r:id="rId3"/>
-    <p:sldId id="258" r:id="rId4"/>
-    <p:sldId id="259" r:id="rId5"/>
-    <p:sldId id="260" r:id="rId6"/>
-    <p:sldId id="261" r:id="rId7"/>
-    <p:sldId id="262" r:id="rId8"/>
-    <p:sldId id="263" r:id="rId9"/>
+    <p:sldId id="264" r:id="rId3"/>
+    <p:sldId id="257" r:id="rId4"/>
+    <p:sldId id="258" r:id="rId5"/>
+    <p:sldId id="259" r:id="rId6"/>
+    <p:sldId id="260" r:id="rId7"/>
+    <p:sldId id="261" r:id="rId8"/>
+    <p:sldId id="262" r:id="rId9"/>
+    <p:sldId id="263" r:id="rId10"/>
   </p:sldIdLst>
   <p:sldSz cx="12192000" cy="6858000"/>
   <p:notesSz cx="6858000" cy="9144000"/>
@@ -282,7 +283,7 @@
           <a:p>
             <a:fld id="{76E5AC4B-8FF4-4325-818C-BC4162069A8A}" type="datetimeFigureOut">
               <a:rPr lang="pt-PT" smtClean="0"/>
-              <a:t>01/01/2024</a:t>
+              <a:t>02/01/2024</a:t>
             </a:fld>
             <a:endParaRPr lang="pt-PT"/>
           </a:p>
@@ -452,7 +453,7 @@
           <a:p>
             <a:fld id="{76E5AC4B-8FF4-4325-818C-BC4162069A8A}" type="datetimeFigureOut">
               <a:rPr lang="pt-PT" smtClean="0"/>
-              <a:t>01/01/2024</a:t>
+              <a:t>02/01/2024</a:t>
             </a:fld>
             <a:endParaRPr lang="pt-PT"/>
           </a:p>
@@ -632,7 +633,7 @@
           <a:p>
             <a:fld id="{76E5AC4B-8FF4-4325-818C-BC4162069A8A}" type="datetimeFigureOut">
               <a:rPr lang="pt-PT" smtClean="0"/>
-              <a:t>01/01/2024</a:t>
+              <a:t>02/01/2024</a:t>
             </a:fld>
             <a:endParaRPr lang="pt-PT"/>
           </a:p>
@@ -802,7 +803,7 @@
           <a:p>
             <a:fld id="{76E5AC4B-8FF4-4325-818C-BC4162069A8A}" type="datetimeFigureOut">
               <a:rPr lang="pt-PT" smtClean="0"/>
-              <a:t>01/01/2024</a:t>
+              <a:t>02/01/2024</a:t>
             </a:fld>
             <a:endParaRPr lang="pt-PT"/>
           </a:p>
@@ -1070,7 +1071,7 @@
           <a:p>
             <a:fld id="{76E5AC4B-8FF4-4325-818C-BC4162069A8A}" type="datetimeFigureOut">
               <a:rPr lang="pt-PT" smtClean="0"/>
-              <a:t>01/01/2024</a:t>
+              <a:t>02/01/2024</a:t>
             </a:fld>
             <a:endParaRPr lang="pt-PT"/>
           </a:p>
@@ -1302,7 +1303,7 @@
           <a:p>
             <a:fld id="{76E5AC4B-8FF4-4325-818C-BC4162069A8A}" type="datetimeFigureOut">
               <a:rPr lang="pt-PT" smtClean="0"/>
-              <a:t>01/01/2024</a:t>
+              <a:t>02/01/2024</a:t>
             </a:fld>
             <a:endParaRPr lang="pt-PT"/>
           </a:p>
@@ -1661,7 +1662,7 @@
           <a:p>
             <a:fld id="{76E5AC4B-8FF4-4325-818C-BC4162069A8A}" type="datetimeFigureOut">
               <a:rPr lang="pt-PT" smtClean="0"/>
-              <a:t>01/01/2024</a:t>
+              <a:t>02/01/2024</a:t>
             </a:fld>
             <a:endParaRPr lang="pt-PT"/>
           </a:p>
@@ -1802,7 +1803,7 @@
           <a:p>
             <a:fld id="{76E5AC4B-8FF4-4325-818C-BC4162069A8A}" type="datetimeFigureOut">
               <a:rPr lang="pt-PT" smtClean="0"/>
-              <a:t>01/01/2024</a:t>
+              <a:t>02/01/2024</a:t>
             </a:fld>
             <a:endParaRPr lang="pt-PT"/>
           </a:p>
@@ -1897,7 +1898,7 @@
           <a:p>
             <a:fld id="{76E5AC4B-8FF4-4325-818C-BC4162069A8A}" type="datetimeFigureOut">
               <a:rPr lang="pt-PT" smtClean="0"/>
-              <a:t>01/01/2024</a:t>
+              <a:t>02/01/2024</a:t>
             </a:fld>
             <a:endParaRPr lang="pt-PT"/>
           </a:p>
@@ -2254,7 +2255,7 @@
           <a:p>
             <a:fld id="{76E5AC4B-8FF4-4325-818C-BC4162069A8A}" type="datetimeFigureOut">
               <a:rPr lang="pt-PT" smtClean="0"/>
-              <a:t>01/01/2024</a:t>
+              <a:t>02/01/2024</a:t>
             </a:fld>
             <a:endParaRPr lang="pt-PT"/>
           </a:p>
@@ -2611,7 +2612,7 @@
           <a:p>
             <a:fld id="{76E5AC4B-8FF4-4325-818C-BC4162069A8A}" type="datetimeFigureOut">
               <a:rPr lang="pt-PT" smtClean="0"/>
-              <a:t>01/01/2024</a:t>
+              <a:t>02/01/2024</a:t>
             </a:fld>
             <a:endParaRPr lang="pt-PT"/>
           </a:p>
@@ -2853,7 +2854,7 @@
           <a:p>
             <a:fld id="{76E5AC4B-8FF4-4325-818C-BC4162069A8A}" type="datetimeFigureOut">
               <a:rPr lang="pt-PT" smtClean="0"/>
-              <a:t>01/01/2024</a:t>
+              <a:t>02/01/2024</a:t>
             </a:fld>
             <a:endParaRPr lang="pt-PT"/>
           </a:p>
@@ -3391,6 +3392,94 @@
 <file path=ppt/slides/slide2.xml><?xml version="1.0" encoding="utf-8"?>
 <p:sld xmlns:a="http://schemas.openxmlformats.org/drawingml/2006/main" xmlns:r="http://schemas.openxmlformats.org/officeDocument/2006/relationships" xmlns:p="http://schemas.openxmlformats.org/presentationml/2006/main">
   <p:cSld>
+    <p:spTree>
+      <p:nvGrpSpPr>
+        <p:cNvPr id="1" name=""/>
+        <p:cNvGrpSpPr/>
+        <p:nvPr/>
+      </p:nvGrpSpPr>
+      <p:grpSpPr>
+        <a:xfrm>
+          <a:off x="0" y="0"/>
+          <a:ext cx="0" cy="0"/>
+          <a:chOff x="0" y="0"/>
+          <a:chExt cx="0" cy="0"/>
+        </a:xfrm>
+      </p:grpSpPr>
+      <p:sp>
+        <p:nvSpPr>
+          <p:cNvPr id="2" name="Título 1">
+            <a:extLst>
+              <a:ext uri="{FF2B5EF4-FFF2-40B4-BE49-F238E27FC236}">
+                <a16:creationId xmlns:a16="http://schemas.microsoft.com/office/drawing/2014/main" id="{D8F827C4-3143-1AAD-5171-786DB5CA5746}"/>
+              </a:ext>
+            </a:extLst>
+          </p:cNvPr>
+          <p:cNvSpPr>
+            <a:spLocks noGrp="1"/>
+          </p:cNvSpPr>
+          <p:nvPr>
+            <p:ph type="title"/>
+          </p:nvPr>
+        </p:nvSpPr>
+        <p:spPr/>
+        <p:txBody>
+          <a:bodyPr/>
+          <a:lstStyle/>
+          <a:p>
+            <a:r>
+              <a:rPr lang="pt-PT" dirty="0"/>
+              <a:t>Contextualização</a:t>
+            </a:r>
+          </a:p>
+        </p:txBody>
+      </p:sp>
+      <p:sp>
+        <p:nvSpPr>
+          <p:cNvPr id="3" name="Marcador de Posição de Conteúdo 2">
+            <a:extLst>
+              <a:ext uri="{FF2B5EF4-FFF2-40B4-BE49-F238E27FC236}">
+                <a16:creationId xmlns:a16="http://schemas.microsoft.com/office/drawing/2014/main" id="{CC016DF4-73FF-41D3-3233-7DE3AFFCBC84}"/>
+              </a:ext>
+            </a:extLst>
+          </p:cNvPr>
+          <p:cNvSpPr>
+            <a:spLocks noGrp="1"/>
+          </p:cNvSpPr>
+          <p:nvPr>
+            <p:ph idx="1"/>
+          </p:nvPr>
+        </p:nvSpPr>
+        <p:spPr/>
+        <p:txBody>
+          <a:bodyPr>
+            <a:normAutofit/>
+          </a:bodyPr>
+          <a:lstStyle/>
+          <a:p>
+            <a:r>
+              <a:rPr lang="pt-PT" sz="2000" dirty="0"/>
+              <a:t>Projeto realizado no âmbito da Unidade Curricular de Algoritmos e Estruturas de Dados onde foi pretendido elaborar um sistema de gestão de voos de forma eficiente.</a:t>
+            </a:r>
+          </a:p>
+        </p:txBody>
+      </p:sp>
+    </p:spTree>
+    <p:extLst>
+      <p:ext uri="{BB962C8B-B14F-4D97-AF65-F5344CB8AC3E}">
+        <p14:creationId xmlns:p14="http://schemas.microsoft.com/office/powerpoint/2010/main" val="1792811045"/>
+      </p:ext>
+    </p:extLst>
+  </p:cSld>
+  <p:clrMapOvr>
+    <a:masterClrMapping/>
+  </p:clrMapOvr>
+</p:sld>
+</file>
+
+<file path=ppt/slides/slide3.xml><?xml version="1.0" encoding="utf-8"?>
+<p:sld xmlns:a="http://schemas.openxmlformats.org/drawingml/2006/main" xmlns:r="http://schemas.openxmlformats.org/officeDocument/2006/relationships" xmlns:p="http://schemas.openxmlformats.org/presentationml/2006/main">
+  <p:cSld>
     <p:bg>
       <p:bgPr>
         <a:solidFill>
@@ -3709,7 +3798,7 @@
 </p:sld>
 </file>
 
-<file path=ppt/slides/slide3.xml><?xml version="1.0" encoding="utf-8"?>
+<file path=ppt/slides/slide4.xml><?xml version="1.0" encoding="utf-8"?>
 <p:sld xmlns:a="http://schemas.openxmlformats.org/drawingml/2006/main" xmlns:r="http://schemas.openxmlformats.org/officeDocument/2006/relationships" xmlns:p="http://schemas.openxmlformats.org/presentationml/2006/main">
   <p:cSld>
     <p:spTree>
@@ -3894,7 +3983,7 @@
 </p:sld>
 </file>
 
-<file path=ppt/slides/slide4.xml><?xml version="1.0" encoding="utf-8"?>
+<file path=ppt/slides/slide5.xml><?xml version="1.0" encoding="utf-8"?>
 <p:sld xmlns:a="http://schemas.openxmlformats.org/drawingml/2006/main" xmlns:r="http://schemas.openxmlformats.org/officeDocument/2006/relationships" xmlns:p="http://schemas.openxmlformats.org/presentationml/2006/main">
   <p:cSld>
     <p:bg>
@@ -4385,89 +4474,6 @@
 </p:sld>
 </file>
 
-<file path=ppt/slides/slide5.xml><?xml version="1.0" encoding="utf-8"?>
-<p:sld xmlns:a="http://schemas.openxmlformats.org/drawingml/2006/main" xmlns:r="http://schemas.openxmlformats.org/officeDocument/2006/relationships" xmlns:p="http://schemas.openxmlformats.org/presentationml/2006/main">
-  <p:cSld>
-    <p:spTree>
-      <p:nvGrpSpPr>
-        <p:cNvPr id="1" name=""/>
-        <p:cNvGrpSpPr/>
-        <p:nvPr/>
-      </p:nvGrpSpPr>
-      <p:grpSpPr>
-        <a:xfrm>
-          <a:off x="0" y="0"/>
-          <a:ext cx="0" cy="0"/>
-          <a:chOff x="0" y="0"/>
-          <a:chExt cx="0" cy="0"/>
-        </a:xfrm>
-      </p:grpSpPr>
-      <p:sp>
-        <p:nvSpPr>
-          <p:cNvPr id="2" name="Título 1">
-            <a:extLst>
-              <a:ext uri="{FF2B5EF4-FFF2-40B4-BE49-F238E27FC236}">
-                <a16:creationId xmlns:a16="http://schemas.microsoft.com/office/drawing/2014/main" id="{102DE3FC-20DB-B9CD-1151-89FC145AAFCA}"/>
-              </a:ext>
-            </a:extLst>
-          </p:cNvPr>
-          <p:cNvSpPr>
-            <a:spLocks noGrp="1"/>
-          </p:cNvSpPr>
-          <p:nvPr>
-            <p:ph type="title"/>
-          </p:nvPr>
-        </p:nvSpPr>
-        <p:spPr/>
-        <p:txBody>
-          <a:bodyPr/>
-          <a:lstStyle/>
-          <a:p>
-            <a:r>
-              <a:rPr lang="pt-PT" dirty="0"/>
-              <a:t>Funcionalidades implementadas</a:t>
-            </a:r>
-          </a:p>
-        </p:txBody>
-      </p:sp>
-      <p:sp>
-        <p:nvSpPr>
-          <p:cNvPr id="3" name="Marcador de Posição de Conteúdo 2">
-            <a:extLst>
-              <a:ext uri="{FF2B5EF4-FFF2-40B4-BE49-F238E27FC236}">
-                <a16:creationId xmlns:a16="http://schemas.microsoft.com/office/drawing/2014/main" id="{2AEDB541-62D4-DDB3-812C-16C9E646C357}"/>
-              </a:ext>
-            </a:extLst>
-          </p:cNvPr>
-          <p:cNvSpPr>
-            <a:spLocks noGrp="1"/>
-          </p:cNvSpPr>
-          <p:nvPr>
-            <p:ph idx="1"/>
-          </p:nvPr>
-        </p:nvSpPr>
-        <p:spPr/>
-        <p:txBody>
-          <a:bodyPr/>
-          <a:lstStyle/>
-          <a:p>
-            <a:endParaRPr lang="pt-PT"/>
-          </a:p>
-        </p:txBody>
-      </p:sp>
-    </p:spTree>
-    <p:extLst>
-      <p:ext uri="{BB962C8B-B14F-4D97-AF65-F5344CB8AC3E}">
-        <p14:creationId xmlns:p14="http://schemas.microsoft.com/office/powerpoint/2010/main" val="1420032173"/>
-      </p:ext>
-    </p:extLst>
-  </p:cSld>
-  <p:clrMapOvr>
-    <a:masterClrMapping/>
-  </p:clrMapOvr>
-</p:sld>
-</file>
-
 <file path=ppt/slides/slide6.xml><?xml version="1.0" encoding="utf-8"?>
 <p:sld xmlns:a="http://schemas.openxmlformats.org/drawingml/2006/main" xmlns:r="http://schemas.openxmlformats.org/officeDocument/2006/relationships" xmlns:p="http://schemas.openxmlformats.org/presentationml/2006/main">
   <p:cSld>
@@ -4490,7 +4496,7 @@
           <p:cNvPr id="2" name="Título 1">
             <a:extLst>
               <a:ext uri="{FF2B5EF4-FFF2-40B4-BE49-F238E27FC236}">
-                <a16:creationId xmlns:a16="http://schemas.microsoft.com/office/drawing/2014/main" id="{6366F0B9-87B8-B9AC-686D-6907DA21B35D}"/>
+                <a16:creationId xmlns:a16="http://schemas.microsoft.com/office/drawing/2014/main" id="{102DE3FC-20DB-B9CD-1151-89FC145AAFCA}"/>
               </a:ext>
             </a:extLst>
           </p:cNvPr>
@@ -4508,7 +4514,7 @@
           <a:p>
             <a:r>
               <a:rPr lang="pt-PT" dirty="0"/>
-              <a:t>Interface com o utilizador</a:t>
+              <a:t>Funcionalidades implementadas</a:t>
             </a:r>
           </a:p>
         </p:txBody>
@@ -4518,7 +4524,7 @@
           <p:cNvPr id="3" name="Marcador de Posição de Conteúdo 2">
             <a:extLst>
               <a:ext uri="{FF2B5EF4-FFF2-40B4-BE49-F238E27FC236}">
-                <a16:creationId xmlns:a16="http://schemas.microsoft.com/office/drawing/2014/main" id="{D261097B-F4AD-C913-50A0-129B5B4F83EA}"/>
+                <a16:creationId xmlns:a16="http://schemas.microsoft.com/office/drawing/2014/main" id="{2AEDB541-62D4-DDB3-812C-16C9E646C357}"/>
               </a:ext>
             </a:extLst>
           </p:cNvPr>
@@ -4541,7 +4547,7 @@
     </p:spTree>
     <p:extLst>
       <p:ext uri="{BB962C8B-B14F-4D97-AF65-F5344CB8AC3E}">
-        <p14:creationId xmlns:p14="http://schemas.microsoft.com/office/powerpoint/2010/main" val="1661919367"/>
+        <p14:creationId xmlns:p14="http://schemas.microsoft.com/office/powerpoint/2010/main" val="1420032173"/>
       </p:ext>
     </p:extLst>
   </p:cSld>
@@ -4573,6 +4579,89 @@
           <p:cNvPr id="2" name="Título 1">
             <a:extLst>
               <a:ext uri="{FF2B5EF4-FFF2-40B4-BE49-F238E27FC236}">
+                <a16:creationId xmlns:a16="http://schemas.microsoft.com/office/drawing/2014/main" id="{6366F0B9-87B8-B9AC-686D-6907DA21B35D}"/>
+              </a:ext>
+            </a:extLst>
+          </p:cNvPr>
+          <p:cNvSpPr>
+            <a:spLocks noGrp="1"/>
+          </p:cNvSpPr>
+          <p:nvPr>
+            <p:ph type="title"/>
+          </p:nvPr>
+        </p:nvSpPr>
+        <p:spPr/>
+        <p:txBody>
+          <a:bodyPr/>
+          <a:lstStyle/>
+          <a:p>
+            <a:r>
+              <a:rPr lang="pt-PT" dirty="0"/>
+              <a:t>Interface com o utilizador</a:t>
+            </a:r>
+          </a:p>
+        </p:txBody>
+      </p:sp>
+      <p:sp>
+        <p:nvSpPr>
+          <p:cNvPr id="3" name="Marcador de Posição de Conteúdo 2">
+            <a:extLst>
+              <a:ext uri="{FF2B5EF4-FFF2-40B4-BE49-F238E27FC236}">
+                <a16:creationId xmlns:a16="http://schemas.microsoft.com/office/drawing/2014/main" id="{D261097B-F4AD-C913-50A0-129B5B4F83EA}"/>
+              </a:ext>
+            </a:extLst>
+          </p:cNvPr>
+          <p:cNvSpPr>
+            <a:spLocks noGrp="1"/>
+          </p:cNvSpPr>
+          <p:nvPr>
+            <p:ph idx="1"/>
+          </p:nvPr>
+        </p:nvSpPr>
+        <p:spPr/>
+        <p:txBody>
+          <a:bodyPr/>
+          <a:lstStyle/>
+          <a:p>
+            <a:endParaRPr lang="pt-PT"/>
+          </a:p>
+        </p:txBody>
+      </p:sp>
+    </p:spTree>
+    <p:extLst>
+      <p:ext uri="{BB962C8B-B14F-4D97-AF65-F5344CB8AC3E}">
+        <p14:creationId xmlns:p14="http://schemas.microsoft.com/office/powerpoint/2010/main" val="1661919367"/>
+      </p:ext>
+    </p:extLst>
+  </p:cSld>
+  <p:clrMapOvr>
+    <a:masterClrMapping/>
+  </p:clrMapOvr>
+</p:sld>
+</file>
+
+<file path=ppt/slides/slide8.xml><?xml version="1.0" encoding="utf-8"?>
+<p:sld xmlns:a="http://schemas.openxmlformats.org/drawingml/2006/main" xmlns:r="http://schemas.openxmlformats.org/officeDocument/2006/relationships" xmlns:p="http://schemas.openxmlformats.org/presentationml/2006/main">
+  <p:cSld>
+    <p:spTree>
+      <p:nvGrpSpPr>
+        <p:cNvPr id="1" name=""/>
+        <p:cNvGrpSpPr/>
+        <p:nvPr/>
+      </p:nvGrpSpPr>
+      <p:grpSpPr>
+        <a:xfrm>
+          <a:off x="0" y="0"/>
+          <a:ext cx="0" cy="0"/>
+          <a:chOff x="0" y="0"/>
+          <a:chExt cx="0" cy="0"/>
+        </a:xfrm>
+      </p:grpSpPr>
+      <p:sp>
+        <p:nvSpPr>
+          <p:cNvPr id="2" name="Título 1">
+            <a:extLst>
+              <a:ext uri="{FF2B5EF4-FFF2-40B4-BE49-F238E27FC236}">
                 <a16:creationId xmlns:a16="http://schemas.microsoft.com/office/drawing/2014/main" id="{13A02896-D8C0-5E47-A576-3AC774E2B283}"/>
               </a:ext>
             </a:extLst>
@@ -4634,7 +4723,7 @@
 </p:sld>
 </file>
 
-<file path=ppt/slides/slide8.xml><?xml version="1.0" encoding="utf-8"?>
+<file path=ppt/slides/slide9.xml><?xml version="1.0" encoding="utf-8"?>
 <p:sld xmlns:a="http://schemas.openxmlformats.org/drawingml/2006/main" xmlns:r="http://schemas.openxmlformats.org/officeDocument/2006/relationships" xmlns:p="http://schemas.openxmlformats.org/presentationml/2006/main">
   <p:cSld>
     <p:spTree>

--- a/PPT/Apresentação.pptx
+++ b/PPT/Apresentação.pptx
@@ -11,9 +11,10 @@
     <p:sldId id="258" r:id="rId5"/>
     <p:sldId id="259" r:id="rId6"/>
     <p:sldId id="260" r:id="rId7"/>
-    <p:sldId id="261" r:id="rId8"/>
-    <p:sldId id="262" r:id="rId9"/>
-    <p:sldId id="263" r:id="rId10"/>
+    <p:sldId id="265" r:id="rId8"/>
+    <p:sldId id="261" r:id="rId9"/>
+    <p:sldId id="262" r:id="rId10"/>
+    <p:sldId id="263" r:id="rId11"/>
   </p:sldIdLst>
   <p:sldSz cx="12192000" cy="6858000"/>
   <p:notesSz cx="6858000" cy="9144000"/>
@@ -3365,7 +3366,7 @@
           <a:p>
             <a:r>
               <a:rPr lang="pt-PT" dirty="0"/>
-              <a:t>Nuno Pinho Fernandes – up </a:t>
+              <a:t>Nuno Pinho Fernandes – up202206289 </a:t>
             </a:r>
           </a:p>
           <a:p>
@@ -3380,6 +3381,110 @@
     <p:extLst>
       <p:ext uri="{BB962C8B-B14F-4D97-AF65-F5344CB8AC3E}">
         <p14:creationId xmlns:p14="http://schemas.microsoft.com/office/powerpoint/2010/main" val="2388900674"/>
+      </p:ext>
+    </p:extLst>
+  </p:cSld>
+  <p:clrMapOvr>
+    <a:masterClrMapping/>
+  </p:clrMapOvr>
+</p:sld>
+</file>
+
+<file path=ppt/slides/slide10.xml><?xml version="1.0" encoding="utf-8"?>
+<p:sld xmlns:a="http://schemas.openxmlformats.org/drawingml/2006/main" xmlns:r="http://schemas.openxmlformats.org/officeDocument/2006/relationships" xmlns:p="http://schemas.openxmlformats.org/presentationml/2006/main">
+  <p:cSld>
+    <p:spTree>
+      <p:nvGrpSpPr>
+        <p:cNvPr id="1" name=""/>
+        <p:cNvGrpSpPr/>
+        <p:nvPr/>
+      </p:nvGrpSpPr>
+      <p:grpSpPr>
+        <a:xfrm>
+          <a:off x="0" y="0"/>
+          <a:ext cx="0" cy="0"/>
+          <a:chOff x="0" y="0"/>
+          <a:chExt cx="0" cy="0"/>
+        </a:xfrm>
+      </p:grpSpPr>
+      <p:sp>
+        <p:nvSpPr>
+          <p:cNvPr id="2" name="Título 1">
+            <a:extLst>
+              <a:ext uri="{FF2B5EF4-FFF2-40B4-BE49-F238E27FC236}">
+                <a16:creationId xmlns:a16="http://schemas.microsoft.com/office/drawing/2014/main" id="{B8430ED4-AA83-DDDF-CC33-45A7DE345B84}"/>
+              </a:ext>
+            </a:extLst>
+          </p:cNvPr>
+          <p:cNvSpPr>
+            <a:spLocks noGrp="1"/>
+          </p:cNvSpPr>
+          <p:nvPr>
+            <p:ph type="title"/>
+          </p:nvPr>
+        </p:nvSpPr>
+        <p:spPr/>
+        <p:txBody>
+          <a:bodyPr/>
+          <a:lstStyle/>
+          <a:p>
+            <a:r>
+              <a:rPr lang="pt-PT" dirty="0"/>
+              <a:t>Esforço de Cada Elemento</a:t>
+            </a:r>
+          </a:p>
+        </p:txBody>
+      </p:sp>
+      <p:sp>
+        <p:nvSpPr>
+          <p:cNvPr id="3" name="Marcador de Posição de Conteúdo 2">
+            <a:extLst>
+              <a:ext uri="{FF2B5EF4-FFF2-40B4-BE49-F238E27FC236}">
+                <a16:creationId xmlns:a16="http://schemas.microsoft.com/office/drawing/2014/main" id="{08C304DF-2456-88B1-BB12-4C927303EDDF}"/>
+              </a:ext>
+            </a:extLst>
+          </p:cNvPr>
+          <p:cNvSpPr>
+            <a:spLocks noGrp="1"/>
+          </p:cNvSpPr>
+          <p:nvPr>
+            <p:ph idx="1"/>
+          </p:nvPr>
+        </p:nvSpPr>
+        <p:spPr/>
+        <p:txBody>
+          <a:bodyPr/>
+          <a:lstStyle/>
+          <a:p>
+            <a:r>
+              <a:rPr lang="pt-PT" dirty="0"/>
+              <a:t>Esforço de cada elemento :  Maria – 1/3</a:t>
+            </a:r>
+          </a:p>
+          <a:p>
+            <a:pPr marL="0" indent="0">
+              <a:buNone/>
+            </a:pPr>
+            <a:r>
+              <a:rPr lang="pt-PT" dirty="0"/>
+              <a:t>                                             Nuno – 1/3</a:t>
+            </a:r>
+          </a:p>
+          <a:p>
+            <a:pPr marL="0" indent="0">
+              <a:buNone/>
+            </a:pPr>
+            <a:r>
+              <a:rPr lang="pt-PT" dirty="0"/>
+              <a:t>                                             Tiago – 1/3</a:t>
+            </a:r>
+          </a:p>
+        </p:txBody>
+      </p:sp>
+    </p:spTree>
+    <p:extLst>
+      <p:ext uri="{BB962C8B-B14F-4D97-AF65-F5344CB8AC3E}">
+        <p14:creationId xmlns:p14="http://schemas.microsoft.com/office/powerpoint/2010/main" val="3493433091"/>
       </p:ext>
     </p:extLst>
   </p:cSld>
@@ -3938,6 +4043,35 @@
               <a:rPr lang="pt-PT" sz="2000" dirty="0"/>
               <a:t>;</a:t>
             </a:r>
+          </a:p>
+          <a:p>
+            <a:r>
+              <a:rPr lang="pt-PT" sz="2000" dirty="0" err="1"/>
+              <a:t>addVertex</a:t>
+            </a:r>
+            <a:r>
+              <a:rPr lang="pt-PT" sz="2000" dirty="0"/>
+              <a:t> </a:t>
+            </a:r>
+            <a:r>
+              <a:rPr lang="pt-PT" sz="2000" dirty="0">
+                <a:sym typeface="Wingdings" panose="05000000000000000000" pitchFamily="2" charset="2"/>
+              </a:rPr>
+              <a:t> Para adicionar os voos como </a:t>
+            </a:r>
+            <a:r>
+              <a:rPr lang="pt-PT" sz="2000" dirty="0" err="1">
+                <a:sym typeface="Wingdings" panose="05000000000000000000" pitchFamily="2" charset="2"/>
+              </a:rPr>
+              <a:t>vertices</a:t>
+            </a:r>
+            <a:r>
+              <a:rPr lang="pt-PT" sz="2000" dirty="0">
+                <a:sym typeface="Wingdings" panose="05000000000000000000" pitchFamily="2" charset="2"/>
+              </a:rPr>
+              <a:t> ao grafo</a:t>
+            </a:r>
+            <a:endParaRPr lang="pt-PT" sz="2000" dirty="0"/>
           </a:p>
           <a:p>
             <a:r>
@@ -4521,26 +4655,1119 @@
       </p:sp>
       <p:sp>
         <p:nvSpPr>
-          <p:cNvPr id="3" name="Marcador de Posição de Conteúdo 2">
+          <p:cNvPr id="7" name="Rectangle 3">
             <a:extLst>
               <a:ext uri="{FF2B5EF4-FFF2-40B4-BE49-F238E27FC236}">
-                <a16:creationId xmlns:a16="http://schemas.microsoft.com/office/drawing/2014/main" id="{2AEDB541-62D4-DDB3-812C-16C9E646C357}"/>
+                <a16:creationId xmlns:a16="http://schemas.microsoft.com/office/drawing/2014/main" id="{0FB53D8B-515D-4757-97D7-76131224C9ED}"/>
               </a:ext>
             </a:extLst>
           </p:cNvPr>
           <p:cNvSpPr>
-            <a:spLocks noGrp="1"/>
-          </p:cNvSpPr>
-          <p:nvPr>
-            <p:ph idx="1"/>
-          </p:nvPr>
-        </p:nvSpPr>
-        <p:spPr/>
-        <p:txBody>
-          <a:bodyPr/>
-          <a:lstStyle/>
-          <a:p>
-            <a:endParaRPr lang="pt-PT"/>
+            <a:spLocks noChangeArrowheads="1"/>
+          </p:cNvSpPr>
+          <p:nvPr/>
+        </p:nvSpPr>
+        <p:spPr bwMode="auto">
+          <a:xfrm>
+            <a:off x="2183892" y="2461668"/>
+            <a:ext cx="2400300" cy="230832"/>
+          </a:xfrm>
+          <a:prstGeom prst="rect">
+            <a:avLst/>
+          </a:prstGeom>
+          <a:solidFill>
+            <a:srgbClr val="1E1F22"/>
+          </a:solidFill>
+          <a:ln>
+            <a:noFill/>
+          </a:ln>
+          <a:effectLst/>
+          <a:extLst>
+            <a:ext uri="{91240B29-F687-4F45-9708-019B960494DF}">
+              <a14:hiddenLine xmlns:a14="http://schemas.microsoft.com/office/drawing/2010/main" w="9525">
+                <a:solidFill>
+                  <a:schemeClr val="tx1"/>
+                </a:solidFill>
+                <a:miter lim="800000"/>
+                <a:headEnd/>
+                <a:tailEnd/>
+              </a14:hiddenLine>
+            </a:ext>
+            <a:ext uri="{AF507438-7753-43E0-B8FC-AC1667EBCBE1}">
+              <a14:hiddenEffects xmlns:a14="http://schemas.microsoft.com/office/drawing/2010/main">
+                <a:effectLst>
+                  <a:outerShdw dist="35921" dir="2700000" algn="ctr" rotWithShape="0">
+                    <a:schemeClr val="bg2"/>
+                  </a:outerShdw>
+                </a:effectLst>
+              </a14:hiddenEffects>
+            </a:ext>
+          </a:extLst>
+        </p:spPr>
+        <p:txBody>
+          <a:bodyPr vert="horz" wrap="square" lIns="91440" tIns="45720" rIns="91440" bIns="45720" numCol="1" anchor="ctr" anchorCtr="0" compatLnSpc="1">
+            <a:prstTxWarp prst="textNoShape">
+              <a:avLst/>
+            </a:prstTxWarp>
+            <a:spAutoFit/>
+          </a:bodyPr>
+          <a:lstStyle/>
+          <a:p>
+            <a:pPr marL="0" marR="0" lvl="0" indent="0" algn="l" defTabSz="914400" rtl="0" eaLnBrk="0" fontAlgn="base" latinLnBrk="0" hangingPunct="0">
+              <a:lnSpc>
+                <a:spcPct val="100000"/>
+              </a:lnSpc>
+              <a:spcBef>
+                <a:spcPct val="0"/>
+              </a:spcBef>
+              <a:spcAft>
+                <a:spcPct val="0"/>
+              </a:spcAft>
+              <a:buClrTx/>
+              <a:buSzTx/>
+              <a:buFontTx/>
+              <a:buNone/>
+              <a:tabLst/>
+            </a:pPr>
+            <a:r>
+              <a:rPr kumimoji="0" lang="en-US" altLang="en-US" sz="900" b="0" i="0" u="none" strike="noStrike" cap="none" normalizeH="0" baseline="0" dirty="0">
+                <a:ln>
+                  <a:noFill/>
+                </a:ln>
+                <a:solidFill>
+                  <a:srgbClr val="CF8E6D"/>
+                </a:solidFill>
+                <a:effectLst/>
+                <a:latin typeface="JetBrains Mono"/>
+              </a:rPr>
+              <a:t>int </a:t>
+            </a:r>
+            <a:r>
+              <a:rPr kumimoji="0" lang="en-US" altLang="en-US" sz="900" b="0" i="0" u="none" strike="noStrike" cap="none" normalizeH="0" baseline="0" dirty="0" err="1">
+                <a:ln>
+                  <a:noFill/>
+                </a:ln>
+                <a:solidFill>
+                  <a:srgbClr val="56A8F5"/>
+                </a:solidFill>
+                <a:effectLst/>
+                <a:latin typeface="JetBrains Mono"/>
+              </a:rPr>
+              <a:t>numberAirports</a:t>
+            </a:r>
+            <a:r>
+              <a:rPr kumimoji="0" lang="en-US" altLang="en-US" sz="900" b="0" i="0" u="none" strike="noStrike" cap="none" normalizeH="0" baseline="0" dirty="0">
+                <a:ln>
+                  <a:noFill/>
+                </a:ln>
+                <a:solidFill>
+                  <a:srgbClr val="BCBEC4"/>
+                </a:solidFill>
+                <a:effectLst/>
+                <a:latin typeface="JetBrains Mono"/>
+              </a:rPr>
+              <a:t>();</a:t>
+            </a:r>
+            <a:endParaRPr kumimoji="0" lang="en-US" altLang="en-US" sz="1800" b="0" i="0" u="none" strike="noStrike" cap="none" normalizeH="0" baseline="0" dirty="0">
+              <a:ln>
+                <a:noFill/>
+              </a:ln>
+              <a:solidFill>
+                <a:schemeClr val="tx1"/>
+              </a:solidFill>
+              <a:effectLst/>
+              <a:latin typeface="Arial" panose="020B0604020202020204" pitchFamily="34" charset="0"/>
+            </a:endParaRPr>
+          </a:p>
+        </p:txBody>
+      </p:sp>
+      <p:sp>
+        <p:nvSpPr>
+          <p:cNvPr id="8" name="CaixaDeTexto 7">
+            <a:extLst>
+              <a:ext uri="{FF2B5EF4-FFF2-40B4-BE49-F238E27FC236}">
+                <a16:creationId xmlns:a16="http://schemas.microsoft.com/office/drawing/2014/main" id="{A8FADA6A-3FA6-4611-AF25-F420D7DF10F1}"/>
+              </a:ext>
+            </a:extLst>
+          </p:cNvPr>
+          <p:cNvSpPr txBox="1"/>
+          <p:nvPr/>
+        </p:nvSpPr>
+        <p:spPr>
+          <a:xfrm>
+            <a:off x="2098548" y="2692500"/>
+            <a:ext cx="2793492" cy="430887"/>
+          </a:xfrm>
+          <a:prstGeom prst="rect">
+            <a:avLst/>
+          </a:prstGeom>
+          <a:noFill/>
+        </p:spPr>
+        <p:txBody>
+          <a:bodyPr wrap="square" rtlCol="0">
+            <a:spAutoFit/>
+          </a:bodyPr>
+          <a:lstStyle/>
+          <a:p>
+            <a:r>
+              <a:rPr lang="en-US" sz="1100" dirty="0"/>
+              <a:t>Returns number of airports </a:t>
+            </a:r>
+          </a:p>
+          <a:p>
+            <a:r>
+              <a:rPr lang="en-US" sz="1100" dirty="0"/>
+              <a:t>O(1)</a:t>
+            </a:r>
+          </a:p>
+        </p:txBody>
+      </p:sp>
+      <p:sp>
+        <p:nvSpPr>
+          <p:cNvPr id="10" name="Rectangle 4">
+            <a:extLst>
+              <a:ext uri="{FF2B5EF4-FFF2-40B4-BE49-F238E27FC236}">
+                <a16:creationId xmlns:a16="http://schemas.microsoft.com/office/drawing/2014/main" id="{8DAE2C93-8B1D-4CD3-94EC-0A9622BDB9C2}"/>
+              </a:ext>
+            </a:extLst>
+          </p:cNvPr>
+          <p:cNvSpPr>
+            <a:spLocks noChangeArrowheads="1"/>
+          </p:cNvSpPr>
+          <p:nvPr/>
+        </p:nvSpPr>
+        <p:spPr bwMode="auto">
+          <a:xfrm>
+            <a:off x="4773930" y="2461668"/>
+            <a:ext cx="2644140" cy="230832"/>
+          </a:xfrm>
+          <a:prstGeom prst="rect">
+            <a:avLst/>
+          </a:prstGeom>
+          <a:solidFill>
+            <a:srgbClr val="1E1F22"/>
+          </a:solidFill>
+          <a:ln>
+            <a:noFill/>
+          </a:ln>
+          <a:effectLst/>
+          <a:extLst>
+            <a:ext uri="{91240B29-F687-4F45-9708-019B960494DF}">
+              <a14:hiddenLine xmlns:a14="http://schemas.microsoft.com/office/drawing/2010/main" w="9525">
+                <a:solidFill>
+                  <a:schemeClr val="tx1"/>
+                </a:solidFill>
+                <a:miter lim="800000"/>
+                <a:headEnd/>
+                <a:tailEnd/>
+              </a14:hiddenLine>
+            </a:ext>
+            <a:ext uri="{AF507438-7753-43E0-B8FC-AC1667EBCBE1}">
+              <a14:hiddenEffects xmlns:a14="http://schemas.microsoft.com/office/drawing/2010/main">
+                <a:effectLst>
+                  <a:outerShdw dist="35921" dir="2700000" algn="ctr" rotWithShape="0">
+                    <a:schemeClr val="bg2"/>
+                  </a:outerShdw>
+                </a:effectLst>
+              </a14:hiddenEffects>
+            </a:ext>
+          </a:extLst>
+        </p:spPr>
+        <p:txBody>
+          <a:bodyPr vert="horz" wrap="square" lIns="91440" tIns="45720" rIns="91440" bIns="45720" numCol="1" anchor="ctr" anchorCtr="0" compatLnSpc="1">
+            <a:prstTxWarp prst="textNoShape">
+              <a:avLst/>
+            </a:prstTxWarp>
+            <a:spAutoFit/>
+          </a:bodyPr>
+          <a:lstStyle/>
+          <a:p>
+            <a:pPr marL="0" marR="0" lvl="0" indent="0" algn="l" defTabSz="914400" rtl="0" eaLnBrk="0" fontAlgn="base" latinLnBrk="0" hangingPunct="0">
+              <a:lnSpc>
+                <a:spcPct val="100000"/>
+              </a:lnSpc>
+              <a:spcBef>
+                <a:spcPct val="0"/>
+              </a:spcBef>
+              <a:spcAft>
+                <a:spcPct val="0"/>
+              </a:spcAft>
+              <a:buClrTx/>
+              <a:buSzTx/>
+              <a:buFontTx/>
+              <a:buNone/>
+              <a:tabLst/>
+            </a:pPr>
+            <a:r>
+              <a:rPr kumimoji="0" lang="en-US" altLang="en-US" sz="900" b="0" i="0" u="none" strike="noStrike" cap="none" normalizeH="0" baseline="0">
+                <a:ln>
+                  <a:noFill/>
+                </a:ln>
+                <a:solidFill>
+                  <a:srgbClr val="CF8E6D"/>
+                </a:solidFill>
+                <a:effectLst/>
+                <a:latin typeface="JetBrains Mono"/>
+              </a:rPr>
+              <a:t>int </a:t>
+            </a:r>
+            <a:r>
+              <a:rPr kumimoji="0" lang="en-US" altLang="en-US" sz="900" b="0" i="0" u="none" strike="noStrike" cap="none" normalizeH="0" baseline="0">
+                <a:ln>
+                  <a:noFill/>
+                </a:ln>
+                <a:solidFill>
+                  <a:srgbClr val="56A8F5"/>
+                </a:solidFill>
+                <a:effectLst/>
+                <a:latin typeface="JetBrains Mono"/>
+              </a:rPr>
+              <a:t>numberFlights</a:t>
+            </a:r>
+            <a:r>
+              <a:rPr kumimoji="0" lang="en-US" altLang="en-US" sz="900" b="0" i="0" u="none" strike="noStrike" cap="none" normalizeH="0" baseline="0">
+                <a:ln>
+                  <a:noFill/>
+                </a:ln>
+                <a:solidFill>
+                  <a:srgbClr val="BCBEC4"/>
+                </a:solidFill>
+                <a:effectLst/>
+                <a:latin typeface="JetBrains Mono"/>
+              </a:rPr>
+              <a:t>();</a:t>
+            </a:r>
+            <a:endParaRPr kumimoji="0" lang="en-US" altLang="en-US" sz="1800" b="0" i="0" u="none" strike="noStrike" cap="none" normalizeH="0" baseline="0">
+              <a:ln>
+                <a:noFill/>
+              </a:ln>
+              <a:solidFill>
+                <a:schemeClr val="tx1"/>
+              </a:solidFill>
+              <a:effectLst/>
+              <a:latin typeface="Arial" panose="020B0604020202020204" pitchFamily="34" charset="0"/>
+            </a:endParaRPr>
+          </a:p>
+        </p:txBody>
+      </p:sp>
+      <p:sp>
+        <p:nvSpPr>
+          <p:cNvPr id="11" name="CaixaDeTexto 10">
+            <a:extLst>
+              <a:ext uri="{FF2B5EF4-FFF2-40B4-BE49-F238E27FC236}">
+                <a16:creationId xmlns:a16="http://schemas.microsoft.com/office/drawing/2014/main" id="{4855AFF6-1C53-434B-9E0A-25BE5CF8CDFA}"/>
+              </a:ext>
+            </a:extLst>
+          </p:cNvPr>
+          <p:cNvSpPr txBox="1"/>
+          <p:nvPr/>
+        </p:nvSpPr>
+        <p:spPr>
+          <a:xfrm>
+            <a:off x="4773930" y="2692499"/>
+            <a:ext cx="2644140" cy="430887"/>
+          </a:xfrm>
+          <a:prstGeom prst="rect">
+            <a:avLst/>
+          </a:prstGeom>
+          <a:noFill/>
+        </p:spPr>
+        <p:txBody>
+          <a:bodyPr wrap="square" rtlCol="0">
+            <a:spAutoFit/>
+          </a:bodyPr>
+          <a:lstStyle/>
+          <a:p>
+            <a:r>
+              <a:rPr lang="en-US" sz="1100" dirty="0"/>
+              <a:t>Returns number of flights</a:t>
+            </a:r>
+          </a:p>
+          <a:p>
+            <a:r>
+              <a:rPr lang="en-US" sz="1100" dirty="0"/>
+              <a:t>O(1)</a:t>
+            </a:r>
+          </a:p>
+        </p:txBody>
+      </p:sp>
+      <p:sp>
+        <p:nvSpPr>
+          <p:cNvPr id="12" name="Rectangle 5">
+            <a:extLst>
+              <a:ext uri="{FF2B5EF4-FFF2-40B4-BE49-F238E27FC236}">
+                <a16:creationId xmlns:a16="http://schemas.microsoft.com/office/drawing/2014/main" id="{FF8BFA5C-0292-454E-BE16-37B6B75E8734}"/>
+              </a:ext>
+            </a:extLst>
+          </p:cNvPr>
+          <p:cNvSpPr>
+            <a:spLocks noChangeArrowheads="1"/>
+          </p:cNvSpPr>
+          <p:nvPr/>
+        </p:nvSpPr>
+        <p:spPr bwMode="auto">
+          <a:xfrm>
+            <a:off x="2183892" y="3198168"/>
+            <a:ext cx="3337560" cy="230832"/>
+          </a:xfrm>
+          <a:prstGeom prst="rect">
+            <a:avLst/>
+          </a:prstGeom>
+          <a:solidFill>
+            <a:srgbClr val="1E1F22"/>
+          </a:solidFill>
+          <a:ln>
+            <a:noFill/>
+          </a:ln>
+          <a:effectLst/>
+          <a:extLst>
+            <a:ext uri="{91240B29-F687-4F45-9708-019B960494DF}">
+              <a14:hiddenLine xmlns:a14="http://schemas.microsoft.com/office/drawing/2010/main" w="9525">
+                <a:solidFill>
+                  <a:schemeClr val="tx1"/>
+                </a:solidFill>
+                <a:miter lim="800000"/>
+                <a:headEnd/>
+                <a:tailEnd/>
+              </a14:hiddenLine>
+            </a:ext>
+            <a:ext uri="{AF507438-7753-43E0-B8FC-AC1667EBCBE1}">
+              <a14:hiddenEffects xmlns:a14="http://schemas.microsoft.com/office/drawing/2010/main">
+                <a:effectLst>
+                  <a:outerShdw dist="35921" dir="2700000" algn="ctr" rotWithShape="0">
+                    <a:schemeClr val="bg2"/>
+                  </a:outerShdw>
+                </a:effectLst>
+              </a14:hiddenEffects>
+            </a:ext>
+          </a:extLst>
+        </p:spPr>
+        <p:txBody>
+          <a:bodyPr vert="horz" wrap="square" lIns="91440" tIns="45720" rIns="91440" bIns="45720" numCol="1" anchor="ctr" anchorCtr="0" compatLnSpc="1">
+            <a:prstTxWarp prst="textNoShape">
+              <a:avLst/>
+            </a:prstTxWarp>
+            <a:spAutoFit/>
+          </a:bodyPr>
+          <a:lstStyle/>
+          <a:p>
+            <a:pPr marL="0" marR="0" lvl="0" indent="0" algn="l" defTabSz="914400" rtl="0" eaLnBrk="0" fontAlgn="base" latinLnBrk="0" hangingPunct="0">
+              <a:lnSpc>
+                <a:spcPct val="100000"/>
+              </a:lnSpc>
+              <a:spcBef>
+                <a:spcPct val="0"/>
+              </a:spcBef>
+              <a:spcAft>
+                <a:spcPct val="0"/>
+              </a:spcAft>
+              <a:buClrTx/>
+              <a:buSzTx/>
+              <a:buFontTx/>
+              <a:buNone/>
+              <a:tabLst/>
+            </a:pPr>
+            <a:r>
+              <a:rPr kumimoji="0" lang="en-US" altLang="en-US" sz="900" b="0" i="0" u="none" strike="noStrike" cap="none" normalizeH="0" baseline="0" dirty="0">
+                <a:ln>
+                  <a:noFill/>
+                </a:ln>
+                <a:solidFill>
+                  <a:srgbClr val="CF8E6D"/>
+                </a:solidFill>
+                <a:effectLst/>
+                <a:latin typeface="JetBrains Mono"/>
+              </a:rPr>
+              <a:t>int </a:t>
+            </a:r>
+            <a:r>
+              <a:rPr kumimoji="0" lang="en-US" altLang="en-US" sz="900" b="0" i="0" u="none" strike="noStrike" cap="none" normalizeH="0" baseline="0" dirty="0" err="1">
+                <a:ln>
+                  <a:noFill/>
+                </a:ln>
+                <a:solidFill>
+                  <a:srgbClr val="56A8F5"/>
+                </a:solidFill>
+                <a:effectLst/>
+                <a:latin typeface="JetBrains Mono"/>
+              </a:rPr>
+              <a:t>getNumberOfFlightsOutAnAirportByCode</a:t>
+            </a:r>
+            <a:r>
+              <a:rPr kumimoji="0" lang="en-US" altLang="en-US" sz="900" b="0" i="0" u="none" strike="noStrike" cap="none" normalizeH="0" baseline="0" dirty="0">
+                <a:ln>
+                  <a:noFill/>
+                </a:ln>
+                <a:solidFill>
+                  <a:srgbClr val="BCBEC4"/>
+                </a:solidFill>
+                <a:effectLst/>
+                <a:latin typeface="JetBrains Mono"/>
+              </a:rPr>
+              <a:t>(</a:t>
+            </a:r>
+            <a:r>
+              <a:rPr kumimoji="0" lang="en-US" altLang="en-US" sz="900" b="0" i="0" u="none" strike="noStrike" cap="none" normalizeH="0" baseline="0" dirty="0">
+                <a:ln>
+                  <a:noFill/>
+                </a:ln>
+                <a:solidFill>
+                  <a:srgbClr val="B9BCD1"/>
+                </a:solidFill>
+                <a:effectLst/>
+                <a:latin typeface="JetBrains Mono"/>
+              </a:rPr>
+              <a:t>string </a:t>
+            </a:r>
+            <a:r>
+              <a:rPr kumimoji="0" lang="en-US" altLang="en-US" sz="900" b="0" i="0" u="none" strike="noStrike" cap="none" normalizeH="0" baseline="0" dirty="0">
+                <a:ln>
+                  <a:noFill/>
+                </a:ln>
+                <a:solidFill>
+                  <a:srgbClr val="BCBEC4"/>
+                </a:solidFill>
+                <a:effectLst/>
+                <a:latin typeface="JetBrains Mono"/>
+              </a:rPr>
+              <a:t>code);</a:t>
+            </a:r>
+            <a:endParaRPr kumimoji="0" lang="en-US" altLang="en-US" sz="1800" b="0" i="0" u="none" strike="noStrike" cap="none" normalizeH="0" baseline="0" dirty="0">
+              <a:ln>
+                <a:noFill/>
+              </a:ln>
+              <a:solidFill>
+                <a:schemeClr val="tx1"/>
+              </a:solidFill>
+              <a:effectLst/>
+              <a:latin typeface="Arial" panose="020B0604020202020204" pitchFamily="34" charset="0"/>
+            </a:endParaRPr>
+          </a:p>
+        </p:txBody>
+      </p:sp>
+      <p:sp>
+        <p:nvSpPr>
+          <p:cNvPr id="13" name="CaixaDeTexto 12">
+            <a:extLst>
+              <a:ext uri="{FF2B5EF4-FFF2-40B4-BE49-F238E27FC236}">
+                <a16:creationId xmlns:a16="http://schemas.microsoft.com/office/drawing/2014/main" id="{5A17B84E-97F6-40C1-9595-BF97985E09FB}"/>
+              </a:ext>
+            </a:extLst>
+          </p:cNvPr>
+          <p:cNvSpPr txBox="1"/>
+          <p:nvPr/>
+        </p:nvSpPr>
+        <p:spPr>
+          <a:xfrm>
+            <a:off x="2098548" y="3502362"/>
+            <a:ext cx="3337560" cy="430887"/>
+          </a:xfrm>
+          <a:prstGeom prst="rect">
+            <a:avLst/>
+          </a:prstGeom>
+          <a:noFill/>
+        </p:spPr>
+        <p:txBody>
+          <a:bodyPr wrap="square" rtlCol="0">
+            <a:spAutoFit/>
+          </a:bodyPr>
+          <a:lstStyle/>
+          <a:p>
+            <a:r>
+              <a:rPr lang="en-US" sz="1100" dirty="0"/>
+              <a:t>Returns number of flights out of an airport</a:t>
+            </a:r>
+          </a:p>
+          <a:p>
+            <a:r>
+              <a:rPr lang="en-US" sz="1100" dirty="0"/>
+              <a:t>O(1)</a:t>
+            </a:r>
+          </a:p>
+        </p:txBody>
+      </p:sp>
+      <p:sp>
+        <p:nvSpPr>
+          <p:cNvPr id="14" name="Rectangle 6">
+            <a:extLst>
+              <a:ext uri="{FF2B5EF4-FFF2-40B4-BE49-F238E27FC236}">
+                <a16:creationId xmlns:a16="http://schemas.microsoft.com/office/drawing/2014/main" id="{2FB3A3A3-31D5-4AF3-AB52-DFFE9263DC11}"/>
+              </a:ext>
+            </a:extLst>
+          </p:cNvPr>
+          <p:cNvSpPr>
+            <a:spLocks noChangeArrowheads="1"/>
+          </p:cNvSpPr>
+          <p:nvPr/>
+        </p:nvSpPr>
+        <p:spPr bwMode="auto">
+          <a:xfrm>
+            <a:off x="5699760" y="3198168"/>
+            <a:ext cx="3436620" cy="230832"/>
+          </a:xfrm>
+          <a:prstGeom prst="rect">
+            <a:avLst/>
+          </a:prstGeom>
+          <a:solidFill>
+            <a:srgbClr val="1E1F22"/>
+          </a:solidFill>
+          <a:ln>
+            <a:noFill/>
+          </a:ln>
+          <a:effectLst/>
+          <a:extLst>
+            <a:ext uri="{91240B29-F687-4F45-9708-019B960494DF}">
+              <a14:hiddenLine xmlns:a14="http://schemas.microsoft.com/office/drawing/2010/main" w="9525">
+                <a:solidFill>
+                  <a:schemeClr val="tx1"/>
+                </a:solidFill>
+                <a:miter lim="800000"/>
+                <a:headEnd/>
+                <a:tailEnd/>
+              </a14:hiddenLine>
+            </a:ext>
+            <a:ext uri="{AF507438-7753-43E0-B8FC-AC1667EBCBE1}">
+              <a14:hiddenEffects xmlns:a14="http://schemas.microsoft.com/office/drawing/2010/main">
+                <a:effectLst>
+                  <a:outerShdw dist="35921" dir="2700000" algn="ctr" rotWithShape="0">
+                    <a:schemeClr val="bg2"/>
+                  </a:outerShdw>
+                </a:effectLst>
+              </a14:hiddenEffects>
+            </a:ext>
+          </a:extLst>
+        </p:spPr>
+        <p:txBody>
+          <a:bodyPr vert="horz" wrap="square" lIns="91440" tIns="45720" rIns="91440" bIns="45720" numCol="1" anchor="ctr" anchorCtr="0" compatLnSpc="1">
+            <a:prstTxWarp prst="textNoShape">
+              <a:avLst/>
+            </a:prstTxWarp>
+            <a:spAutoFit/>
+          </a:bodyPr>
+          <a:lstStyle/>
+          <a:p>
+            <a:pPr marL="0" marR="0" lvl="0" indent="0" algn="l" defTabSz="914400" rtl="0" eaLnBrk="0" fontAlgn="base" latinLnBrk="0" hangingPunct="0">
+              <a:lnSpc>
+                <a:spcPct val="100000"/>
+              </a:lnSpc>
+              <a:spcBef>
+                <a:spcPct val="0"/>
+              </a:spcBef>
+              <a:spcAft>
+                <a:spcPct val="0"/>
+              </a:spcAft>
+              <a:buClrTx/>
+              <a:buSzTx/>
+              <a:buFontTx/>
+              <a:buNone/>
+              <a:tabLst/>
+            </a:pPr>
+            <a:r>
+              <a:rPr kumimoji="0" lang="en-US" altLang="en-US" sz="900" b="0" i="0" u="none" strike="noStrike" cap="none" normalizeH="0" baseline="0" dirty="0">
+                <a:ln>
+                  <a:noFill/>
+                </a:ln>
+                <a:solidFill>
+                  <a:srgbClr val="CF8E6D"/>
+                </a:solidFill>
+                <a:effectLst/>
+                <a:latin typeface="JetBrains Mono"/>
+              </a:rPr>
+              <a:t>int </a:t>
+            </a:r>
+            <a:r>
+              <a:rPr kumimoji="0" lang="en-US" altLang="en-US" sz="900" b="0" i="0" u="none" strike="noStrike" cap="none" normalizeH="0" baseline="0" dirty="0" err="1">
+                <a:ln>
+                  <a:noFill/>
+                </a:ln>
+                <a:solidFill>
+                  <a:srgbClr val="56A8F5"/>
+                </a:solidFill>
+                <a:effectLst/>
+                <a:latin typeface="JetBrains Mono"/>
+              </a:rPr>
+              <a:t>getNumberOfAirlinesOutAnAirportByCode</a:t>
+            </a:r>
+            <a:r>
+              <a:rPr kumimoji="0" lang="en-US" altLang="en-US" sz="900" b="0" i="0" u="none" strike="noStrike" cap="none" normalizeH="0" baseline="0" dirty="0">
+                <a:ln>
+                  <a:noFill/>
+                </a:ln>
+                <a:solidFill>
+                  <a:srgbClr val="BCBEC4"/>
+                </a:solidFill>
+                <a:effectLst/>
+                <a:latin typeface="JetBrains Mono"/>
+              </a:rPr>
+              <a:t>(</a:t>
+            </a:r>
+            <a:r>
+              <a:rPr kumimoji="0" lang="en-US" altLang="en-US" sz="900" b="0" i="0" u="none" strike="noStrike" cap="none" normalizeH="0" baseline="0" dirty="0">
+                <a:ln>
+                  <a:noFill/>
+                </a:ln>
+                <a:solidFill>
+                  <a:srgbClr val="B9BCD1"/>
+                </a:solidFill>
+                <a:effectLst/>
+                <a:latin typeface="JetBrains Mono"/>
+              </a:rPr>
+              <a:t>string </a:t>
+            </a:r>
+            <a:r>
+              <a:rPr kumimoji="0" lang="en-US" altLang="en-US" sz="900" b="0" i="0" u="none" strike="noStrike" cap="none" normalizeH="0" baseline="0" dirty="0">
+                <a:ln>
+                  <a:noFill/>
+                </a:ln>
+                <a:solidFill>
+                  <a:srgbClr val="BCBEC4"/>
+                </a:solidFill>
+                <a:effectLst/>
+                <a:latin typeface="JetBrains Mono"/>
+              </a:rPr>
+              <a:t>code);</a:t>
+            </a:r>
+            <a:endParaRPr kumimoji="0" lang="en-US" altLang="en-US" sz="1800" b="0" i="0" u="none" strike="noStrike" cap="none" normalizeH="0" baseline="0" dirty="0">
+              <a:ln>
+                <a:noFill/>
+              </a:ln>
+              <a:solidFill>
+                <a:schemeClr val="tx1"/>
+              </a:solidFill>
+              <a:effectLst/>
+              <a:latin typeface="Arial" panose="020B0604020202020204" pitchFamily="34" charset="0"/>
+            </a:endParaRPr>
+          </a:p>
+        </p:txBody>
+      </p:sp>
+      <p:sp>
+        <p:nvSpPr>
+          <p:cNvPr id="15" name="CaixaDeTexto 14">
+            <a:extLst>
+              <a:ext uri="{FF2B5EF4-FFF2-40B4-BE49-F238E27FC236}">
+                <a16:creationId xmlns:a16="http://schemas.microsoft.com/office/drawing/2014/main" id="{3C6FBDC6-26CE-4510-B710-DD4F5FB2272D}"/>
+              </a:ext>
+            </a:extLst>
+          </p:cNvPr>
+          <p:cNvSpPr txBox="1"/>
+          <p:nvPr/>
+        </p:nvSpPr>
+        <p:spPr>
+          <a:xfrm>
+            <a:off x="5615940" y="3476664"/>
+            <a:ext cx="3604260" cy="430887"/>
+          </a:xfrm>
+          <a:prstGeom prst="rect">
+            <a:avLst/>
+          </a:prstGeom>
+          <a:noFill/>
+        </p:spPr>
+        <p:txBody>
+          <a:bodyPr wrap="square" rtlCol="0">
+            <a:spAutoFit/>
+          </a:bodyPr>
+          <a:lstStyle/>
+          <a:p>
+            <a:r>
+              <a:rPr lang="en-US" sz="1100" dirty="0"/>
+              <a:t>Returns number of different airlines out of an airport</a:t>
+            </a:r>
+          </a:p>
+          <a:p>
+            <a:r>
+              <a:rPr lang="en-US" sz="1100" dirty="0"/>
+              <a:t>O(n)</a:t>
+            </a:r>
+          </a:p>
+        </p:txBody>
+      </p:sp>
+      <p:sp>
+        <p:nvSpPr>
+          <p:cNvPr id="17" name="Rectangle 7">
+            <a:extLst>
+              <a:ext uri="{FF2B5EF4-FFF2-40B4-BE49-F238E27FC236}">
+                <a16:creationId xmlns:a16="http://schemas.microsoft.com/office/drawing/2014/main" id="{747B0FFA-A68C-4E5A-A358-165056D12C41}"/>
+              </a:ext>
+            </a:extLst>
+          </p:cNvPr>
+          <p:cNvSpPr>
+            <a:spLocks noChangeArrowheads="1"/>
+          </p:cNvSpPr>
+          <p:nvPr/>
+        </p:nvSpPr>
+        <p:spPr bwMode="auto">
+          <a:xfrm>
+            <a:off x="2183892" y="3961299"/>
+            <a:ext cx="2716530" cy="230832"/>
+          </a:xfrm>
+          <a:prstGeom prst="rect">
+            <a:avLst/>
+          </a:prstGeom>
+          <a:solidFill>
+            <a:srgbClr val="1E1F22"/>
+          </a:solidFill>
+          <a:ln>
+            <a:noFill/>
+          </a:ln>
+          <a:effectLst/>
+          <a:extLst>
+            <a:ext uri="{91240B29-F687-4F45-9708-019B960494DF}">
+              <a14:hiddenLine xmlns:a14="http://schemas.microsoft.com/office/drawing/2010/main" w="9525">
+                <a:solidFill>
+                  <a:schemeClr val="tx1"/>
+                </a:solidFill>
+                <a:miter lim="800000"/>
+                <a:headEnd/>
+                <a:tailEnd/>
+              </a14:hiddenLine>
+            </a:ext>
+            <a:ext uri="{AF507438-7753-43E0-B8FC-AC1667EBCBE1}">
+              <a14:hiddenEffects xmlns:a14="http://schemas.microsoft.com/office/drawing/2010/main">
+                <a:effectLst>
+                  <a:outerShdw dist="35921" dir="2700000" algn="ctr" rotWithShape="0">
+                    <a:schemeClr val="bg2"/>
+                  </a:outerShdw>
+                </a:effectLst>
+              </a14:hiddenEffects>
+            </a:ext>
+          </a:extLst>
+        </p:spPr>
+        <p:txBody>
+          <a:bodyPr vert="horz" wrap="square" lIns="91440" tIns="45720" rIns="91440" bIns="45720" numCol="1" anchor="ctr" anchorCtr="0" compatLnSpc="1">
+            <a:prstTxWarp prst="textNoShape">
+              <a:avLst/>
+            </a:prstTxWarp>
+            <a:spAutoFit/>
+          </a:bodyPr>
+          <a:lstStyle/>
+          <a:p>
+            <a:pPr marL="0" marR="0" lvl="0" indent="0" algn="l" defTabSz="914400" rtl="0" eaLnBrk="0" fontAlgn="base" latinLnBrk="0" hangingPunct="0">
+              <a:lnSpc>
+                <a:spcPct val="100000"/>
+              </a:lnSpc>
+              <a:spcBef>
+                <a:spcPct val="0"/>
+              </a:spcBef>
+              <a:spcAft>
+                <a:spcPct val="0"/>
+              </a:spcAft>
+              <a:buClrTx/>
+              <a:buSzTx/>
+              <a:buFontTx/>
+              <a:buNone/>
+              <a:tabLst/>
+            </a:pPr>
+            <a:r>
+              <a:rPr kumimoji="0" lang="en-US" altLang="en-US" sz="900" b="0" i="0" u="none" strike="noStrike" cap="none" normalizeH="0" baseline="0">
+                <a:ln>
+                  <a:noFill/>
+                </a:ln>
+                <a:solidFill>
+                  <a:srgbClr val="CF8E6D"/>
+                </a:solidFill>
+                <a:effectLst/>
+                <a:latin typeface="JetBrains Mono"/>
+              </a:rPr>
+              <a:t>int </a:t>
+            </a:r>
+            <a:r>
+              <a:rPr kumimoji="0" lang="en-US" altLang="en-US" sz="900" b="0" i="0" u="none" strike="noStrike" cap="none" normalizeH="0" baseline="0">
+                <a:ln>
+                  <a:noFill/>
+                </a:ln>
+                <a:solidFill>
+                  <a:srgbClr val="56A8F5"/>
+                </a:solidFill>
+                <a:effectLst/>
+                <a:latin typeface="JetBrains Mono"/>
+              </a:rPr>
+              <a:t>numberOfFlightsOutOfTheCity</a:t>
+            </a:r>
+            <a:r>
+              <a:rPr kumimoji="0" lang="en-US" altLang="en-US" sz="900" b="0" i="0" u="none" strike="noStrike" cap="none" normalizeH="0" baseline="0">
+                <a:ln>
+                  <a:noFill/>
+                </a:ln>
+                <a:solidFill>
+                  <a:srgbClr val="BCBEC4"/>
+                </a:solidFill>
+                <a:effectLst/>
+                <a:latin typeface="JetBrains Mono"/>
+              </a:rPr>
+              <a:t>(</a:t>
+            </a:r>
+            <a:r>
+              <a:rPr kumimoji="0" lang="en-US" altLang="en-US" sz="900" b="0" i="0" u="none" strike="noStrike" cap="none" normalizeH="0" baseline="0">
+                <a:ln>
+                  <a:noFill/>
+                </a:ln>
+                <a:solidFill>
+                  <a:srgbClr val="B9BCD1"/>
+                </a:solidFill>
+                <a:effectLst/>
+                <a:latin typeface="JetBrains Mono"/>
+              </a:rPr>
+              <a:t>string </a:t>
+            </a:r>
+            <a:r>
+              <a:rPr kumimoji="0" lang="en-US" altLang="en-US" sz="900" b="0" i="0" u="none" strike="noStrike" cap="none" normalizeH="0" baseline="0">
+                <a:ln>
+                  <a:noFill/>
+                </a:ln>
+                <a:solidFill>
+                  <a:srgbClr val="BCBEC4"/>
+                </a:solidFill>
+                <a:effectLst/>
+                <a:latin typeface="JetBrains Mono"/>
+              </a:rPr>
+              <a:t>city);</a:t>
+            </a:r>
+            <a:endParaRPr kumimoji="0" lang="en-US" altLang="en-US" sz="1800" b="0" i="0" u="none" strike="noStrike" cap="none" normalizeH="0" baseline="0">
+              <a:ln>
+                <a:noFill/>
+              </a:ln>
+              <a:solidFill>
+                <a:schemeClr val="tx1"/>
+              </a:solidFill>
+              <a:effectLst/>
+              <a:latin typeface="Arial" panose="020B0604020202020204" pitchFamily="34" charset="0"/>
+            </a:endParaRPr>
+          </a:p>
+        </p:txBody>
+      </p:sp>
+      <p:sp>
+        <p:nvSpPr>
+          <p:cNvPr id="18" name="CaixaDeTexto 17">
+            <a:extLst>
+              <a:ext uri="{FF2B5EF4-FFF2-40B4-BE49-F238E27FC236}">
+                <a16:creationId xmlns:a16="http://schemas.microsoft.com/office/drawing/2014/main" id="{F40D19F4-2631-42A5-A2A6-C1F304081457}"/>
+              </a:ext>
+            </a:extLst>
+          </p:cNvPr>
+          <p:cNvSpPr txBox="1"/>
+          <p:nvPr/>
+        </p:nvSpPr>
+        <p:spPr>
+          <a:xfrm>
+            <a:off x="2183892" y="4220181"/>
+            <a:ext cx="2590038" cy="430887"/>
+          </a:xfrm>
+          <a:prstGeom prst="rect">
+            <a:avLst/>
+          </a:prstGeom>
+          <a:noFill/>
+        </p:spPr>
+        <p:txBody>
+          <a:bodyPr wrap="square" rtlCol="0">
+            <a:spAutoFit/>
+          </a:bodyPr>
+          <a:lstStyle/>
+          <a:p>
+            <a:r>
+              <a:rPr lang="en-US" sz="1100" dirty="0"/>
+              <a:t>Returns number of flights per city</a:t>
+            </a:r>
+          </a:p>
+          <a:p>
+            <a:r>
+              <a:rPr lang="en-US" sz="1100" dirty="0"/>
+              <a:t>O(n)</a:t>
+            </a:r>
+          </a:p>
+        </p:txBody>
+      </p:sp>
+      <p:sp>
+        <p:nvSpPr>
+          <p:cNvPr id="19" name="Rectangle 8">
+            <a:extLst>
+              <a:ext uri="{FF2B5EF4-FFF2-40B4-BE49-F238E27FC236}">
+                <a16:creationId xmlns:a16="http://schemas.microsoft.com/office/drawing/2014/main" id="{99D0205C-02A8-41D0-A473-EDFD2929D50B}"/>
+              </a:ext>
+            </a:extLst>
+          </p:cNvPr>
+          <p:cNvSpPr>
+            <a:spLocks noChangeArrowheads="1"/>
+          </p:cNvSpPr>
+          <p:nvPr/>
+        </p:nvSpPr>
+        <p:spPr bwMode="auto">
+          <a:xfrm>
+            <a:off x="5227320" y="3980913"/>
+            <a:ext cx="2522220" cy="230832"/>
+          </a:xfrm>
+          <a:prstGeom prst="rect">
+            <a:avLst/>
+          </a:prstGeom>
+          <a:solidFill>
+            <a:srgbClr val="1E1F22"/>
+          </a:solidFill>
+          <a:ln>
+            <a:noFill/>
+          </a:ln>
+          <a:effectLst/>
+          <a:extLst>
+            <a:ext uri="{91240B29-F687-4F45-9708-019B960494DF}">
+              <a14:hiddenLine xmlns:a14="http://schemas.microsoft.com/office/drawing/2010/main" w="9525">
+                <a:solidFill>
+                  <a:schemeClr val="tx1"/>
+                </a:solidFill>
+                <a:miter lim="800000"/>
+                <a:headEnd/>
+                <a:tailEnd/>
+              </a14:hiddenLine>
+            </a:ext>
+            <a:ext uri="{AF507438-7753-43E0-B8FC-AC1667EBCBE1}">
+              <a14:hiddenEffects xmlns:a14="http://schemas.microsoft.com/office/drawing/2010/main">
+                <a:effectLst>
+                  <a:outerShdw dist="35921" dir="2700000" algn="ctr" rotWithShape="0">
+                    <a:schemeClr val="bg2"/>
+                  </a:outerShdw>
+                </a:effectLst>
+              </a14:hiddenEffects>
+            </a:ext>
+          </a:extLst>
+        </p:spPr>
+        <p:txBody>
+          <a:bodyPr vert="horz" wrap="square" lIns="91440" tIns="45720" rIns="91440" bIns="45720" numCol="1" anchor="ctr" anchorCtr="0" compatLnSpc="1">
+            <a:prstTxWarp prst="textNoShape">
+              <a:avLst/>
+            </a:prstTxWarp>
+            <a:spAutoFit/>
+          </a:bodyPr>
+          <a:lstStyle/>
+          <a:p>
+            <a:pPr marL="0" marR="0" lvl="0" indent="0" algn="l" defTabSz="914400" rtl="0" eaLnBrk="0" fontAlgn="base" latinLnBrk="0" hangingPunct="0">
+              <a:lnSpc>
+                <a:spcPct val="100000"/>
+              </a:lnSpc>
+              <a:spcBef>
+                <a:spcPct val="0"/>
+              </a:spcBef>
+              <a:spcAft>
+                <a:spcPct val="0"/>
+              </a:spcAft>
+              <a:buClrTx/>
+              <a:buSzTx/>
+              <a:buFontTx/>
+              <a:buNone/>
+              <a:tabLst/>
+            </a:pPr>
+            <a:r>
+              <a:rPr kumimoji="0" lang="en-US" altLang="en-US" sz="900" b="0" i="0" u="none" strike="noStrike" cap="none" normalizeH="0" baseline="0">
+                <a:ln>
+                  <a:noFill/>
+                </a:ln>
+                <a:solidFill>
+                  <a:srgbClr val="CF8E6D"/>
+                </a:solidFill>
+                <a:effectLst/>
+                <a:latin typeface="JetBrains Mono"/>
+              </a:rPr>
+              <a:t>int </a:t>
+            </a:r>
+            <a:r>
+              <a:rPr kumimoji="0" lang="en-US" altLang="en-US" sz="900" b="0" i="0" u="none" strike="noStrike" cap="none" normalizeH="0" baseline="0">
+                <a:ln>
+                  <a:noFill/>
+                </a:ln>
+                <a:solidFill>
+                  <a:srgbClr val="56A8F5"/>
+                </a:solidFill>
+                <a:effectLst/>
+                <a:latin typeface="JetBrains Mono"/>
+              </a:rPr>
+              <a:t>numberOfFlightsPerAirlineCode</a:t>
+            </a:r>
+            <a:r>
+              <a:rPr kumimoji="0" lang="en-US" altLang="en-US" sz="900" b="0" i="0" u="none" strike="noStrike" cap="none" normalizeH="0" baseline="0">
+                <a:ln>
+                  <a:noFill/>
+                </a:ln>
+                <a:solidFill>
+                  <a:srgbClr val="BCBEC4"/>
+                </a:solidFill>
+                <a:effectLst/>
+                <a:latin typeface="JetBrains Mono"/>
+              </a:rPr>
+              <a:t>(</a:t>
+            </a:r>
+            <a:r>
+              <a:rPr kumimoji="0" lang="en-US" altLang="en-US" sz="900" b="0" i="0" u="none" strike="noStrike" cap="none" normalizeH="0" baseline="0">
+                <a:ln>
+                  <a:noFill/>
+                </a:ln>
+                <a:solidFill>
+                  <a:srgbClr val="B9BCD1"/>
+                </a:solidFill>
+                <a:effectLst/>
+                <a:latin typeface="JetBrains Mono"/>
+              </a:rPr>
+              <a:t>string </a:t>
+            </a:r>
+            <a:r>
+              <a:rPr kumimoji="0" lang="en-US" altLang="en-US" sz="900" b="0" i="0" u="none" strike="noStrike" cap="none" normalizeH="0" baseline="0">
+                <a:ln>
+                  <a:noFill/>
+                </a:ln>
+                <a:solidFill>
+                  <a:srgbClr val="BCBEC4"/>
+                </a:solidFill>
+                <a:effectLst/>
+                <a:latin typeface="JetBrains Mono"/>
+              </a:rPr>
+              <a:t>code);</a:t>
+            </a:r>
+            <a:endParaRPr kumimoji="0" lang="en-US" altLang="en-US" sz="1800" b="0" i="0" u="none" strike="noStrike" cap="none" normalizeH="0" baseline="0">
+              <a:ln>
+                <a:noFill/>
+              </a:ln>
+              <a:solidFill>
+                <a:schemeClr val="tx1"/>
+              </a:solidFill>
+              <a:effectLst/>
+              <a:latin typeface="Arial" panose="020B0604020202020204" pitchFamily="34" charset="0"/>
+            </a:endParaRPr>
+          </a:p>
+        </p:txBody>
+      </p:sp>
+      <p:sp>
+        <p:nvSpPr>
+          <p:cNvPr id="20" name="CaixaDeTexto 19">
+            <a:extLst>
+              <a:ext uri="{FF2B5EF4-FFF2-40B4-BE49-F238E27FC236}">
+                <a16:creationId xmlns:a16="http://schemas.microsoft.com/office/drawing/2014/main" id="{05AD5646-C101-4FFD-B264-A373EA4155F0}"/>
+              </a:ext>
+            </a:extLst>
+          </p:cNvPr>
+          <p:cNvSpPr txBox="1"/>
+          <p:nvPr/>
+        </p:nvSpPr>
+        <p:spPr>
+          <a:xfrm>
+            <a:off x="5227320" y="4243473"/>
+            <a:ext cx="2461260" cy="430887"/>
+          </a:xfrm>
+          <a:prstGeom prst="rect">
+            <a:avLst/>
+          </a:prstGeom>
+          <a:noFill/>
+        </p:spPr>
+        <p:txBody>
+          <a:bodyPr wrap="square" rtlCol="0">
+            <a:spAutoFit/>
+          </a:bodyPr>
+          <a:lstStyle/>
+          <a:p>
+            <a:r>
+              <a:rPr lang="en-US" sz="1100" dirty="0"/>
+              <a:t>Returns number of flights per airline</a:t>
+            </a:r>
+          </a:p>
+          <a:p>
+            <a:r>
+              <a:rPr lang="en-US" sz="1100" dirty="0"/>
+              <a:t>O(n*m)</a:t>
+            </a:r>
           </a:p>
         </p:txBody>
       </p:sp>
@@ -4579,7 +5806,7 @@
           <p:cNvPr id="2" name="Título 1">
             <a:extLst>
               <a:ext uri="{FF2B5EF4-FFF2-40B4-BE49-F238E27FC236}">
-                <a16:creationId xmlns:a16="http://schemas.microsoft.com/office/drawing/2014/main" id="{6366F0B9-87B8-B9AC-686D-6907DA21B35D}"/>
+                <a16:creationId xmlns:a16="http://schemas.microsoft.com/office/drawing/2014/main" id="{30F05036-2915-4B9E-9D7B-9FA4347AD8E2}"/>
               </a:ext>
             </a:extLst>
           </p:cNvPr>
@@ -4590,47 +5817,1325 @@
             <p:ph type="title"/>
           </p:nvPr>
         </p:nvSpPr>
-        <p:spPr/>
+        <p:spPr>
+          <a:xfrm>
+            <a:off x="2231136" y="1066949"/>
+            <a:ext cx="7729728" cy="1188720"/>
+          </a:xfrm>
+        </p:spPr>
         <p:txBody>
           <a:bodyPr/>
           <a:lstStyle/>
           <a:p>
             <a:r>
-              <a:rPr lang="pt-PT" dirty="0"/>
-              <a:t>Interface com o utilizador</a:t>
-            </a:r>
-          </a:p>
-        </p:txBody>
-      </p:sp>
-      <p:sp>
-        <p:nvSpPr>
-          <p:cNvPr id="3" name="Marcador de Posição de Conteúdo 2">
+              <a:rPr lang="en-US" dirty="0" err="1"/>
+              <a:t>Funcionalidades</a:t>
+            </a:r>
+            <a:r>
+              <a:rPr lang="en-US" dirty="0"/>
+              <a:t> </a:t>
+            </a:r>
+            <a:r>
+              <a:rPr lang="en-US" dirty="0" err="1"/>
+              <a:t>Implementadas</a:t>
+            </a:r>
+            <a:endParaRPr lang="en-US" dirty="0"/>
+          </a:p>
+        </p:txBody>
+      </p:sp>
+      <p:sp>
+        <p:nvSpPr>
+          <p:cNvPr id="5" name="Rectangle 2">
             <a:extLst>
               <a:ext uri="{FF2B5EF4-FFF2-40B4-BE49-F238E27FC236}">
-                <a16:creationId xmlns:a16="http://schemas.microsoft.com/office/drawing/2014/main" id="{D261097B-F4AD-C913-50A0-129B5B4F83EA}"/>
+                <a16:creationId xmlns:a16="http://schemas.microsoft.com/office/drawing/2014/main" id="{027E3766-8ACA-43DD-9B06-8D09C6F2DD84}"/>
               </a:ext>
             </a:extLst>
           </p:cNvPr>
           <p:cNvSpPr>
-            <a:spLocks noGrp="1"/>
-          </p:cNvSpPr>
-          <p:nvPr>
-            <p:ph idx="1"/>
-          </p:nvPr>
-        </p:nvSpPr>
-        <p:spPr/>
-        <p:txBody>
-          <a:bodyPr/>
-          <a:lstStyle/>
-          <a:p>
-            <a:endParaRPr lang="pt-PT"/>
+            <a:spLocks noChangeArrowheads="1"/>
+          </p:cNvSpPr>
+          <p:nvPr/>
+        </p:nvSpPr>
+        <p:spPr bwMode="auto">
+          <a:xfrm>
+            <a:off x="2231136" y="2603808"/>
+            <a:ext cx="2202180" cy="230832"/>
+          </a:xfrm>
+          <a:prstGeom prst="rect">
+            <a:avLst/>
+          </a:prstGeom>
+          <a:solidFill>
+            <a:srgbClr val="1E1F22"/>
+          </a:solidFill>
+          <a:ln>
+            <a:noFill/>
+          </a:ln>
+          <a:effectLst/>
+          <a:extLst>
+            <a:ext uri="{91240B29-F687-4F45-9708-019B960494DF}">
+              <a14:hiddenLine xmlns:a14="http://schemas.microsoft.com/office/drawing/2010/main" w="9525">
+                <a:solidFill>
+                  <a:schemeClr val="tx1"/>
+                </a:solidFill>
+                <a:miter lim="800000"/>
+                <a:headEnd/>
+                <a:tailEnd/>
+              </a14:hiddenLine>
+            </a:ext>
+            <a:ext uri="{AF507438-7753-43E0-B8FC-AC1667EBCBE1}">
+              <a14:hiddenEffects xmlns:a14="http://schemas.microsoft.com/office/drawing/2010/main">
+                <a:effectLst>
+                  <a:outerShdw dist="35921" dir="2700000" algn="ctr" rotWithShape="0">
+                    <a:schemeClr val="bg2"/>
+                  </a:outerShdw>
+                </a:effectLst>
+              </a14:hiddenEffects>
+            </a:ext>
+          </a:extLst>
+        </p:spPr>
+        <p:txBody>
+          <a:bodyPr vert="horz" wrap="square" lIns="91440" tIns="45720" rIns="91440" bIns="45720" numCol="1" anchor="ctr" anchorCtr="0" compatLnSpc="1">
+            <a:prstTxWarp prst="textNoShape">
+              <a:avLst/>
+            </a:prstTxWarp>
+            <a:spAutoFit/>
+          </a:bodyPr>
+          <a:lstStyle/>
+          <a:p>
+            <a:pPr marL="0" marR="0" lvl="0" indent="0" algn="l" defTabSz="914400" rtl="0" eaLnBrk="0" fontAlgn="base" latinLnBrk="0" hangingPunct="0">
+              <a:lnSpc>
+                <a:spcPct val="100000"/>
+              </a:lnSpc>
+              <a:spcBef>
+                <a:spcPct val="0"/>
+              </a:spcBef>
+              <a:spcAft>
+                <a:spcPct val="0"/>
+              </a:spcAft>
+              <a:buClrTx/>
+              <a:buSzTx/>
+              <a:buFontTx/>
+              <a:buNone/>
+              <a:tabLst/>
+            </a:pPr>
+            <a:r>
+              <a:rPr kumimoji="0" lang="en-US" altLang="en-US" sz="900" b="0" i="0" u="none" strike="noStrike" cap="none" normalizeH="0" baseline="0" dirty="0">
+                <a:ln>
+                  <a:noFill/>
+                </a:ln>
+                <a:solidFill>
+                  <a:srgbClr val="B5B6E3"/>
+                </a:solidFill>
+                <a:effectLst/>
+                <a:latin typeface="JetBrains Mono"/>
+              </a:rPr>
+              <a:t>set</a:t>
+            </a:r>
+            <a:r>
+              <a:rPr kumimoji="0" lang="en-US" altLang="en-US" sz="900" b="0" i="0" u="none" strike="noStrike" cap="none" normalizeH="0" baseline="0" dirty="0">
+                <a:ln>
+                  <a:noFill/>
+                </a:ln>
+                <a:solidFill>
+                  <a:srgbClr val="BCBEC4"/>
+                </a:solidFill>
+                <a:effectLst/>
+                <a:latin typeface="JetBrains Mono"/>
+              </a:rPr>
+              <a:t>&lt;</a:t>
+            </a:r>
+            <a:r>
+              <a:rPr kumimoji="0" lang="en-US" altLang="en-US" sz="900" b="0" i="0" u="none" strike="noStrike" cap="none" normalizeH="0" baseline="0" dirty="0">
+                <a:ln>
+                  <a:noFill/>
+                </a:ln>
+                <a:solidFill>
+                  <a:srgbClr val="B5B6E3"/>
+                </a:solidFill>
+                <a:effectLst/>
+                <a:latin typeface="JetBrains Mono"/>
+              </a:rPr>
+              <a:t>Airport</a:t>
+            </a:r>
+            <a:r>
+              <a:rPr kumimoji="0" lang="en-US" altLang="en-US" sz="900" b="0" i="0" u="none" strike="noStrike" cap="none" normalizeH="0" baseline="0" dirty="0">
+                <a:ln>
+                  <a:noFill/>
+                </a:ln>
+                <a:solidFill>
+                  <a:srgbClr val="BCBEC4"/>
+                </a:solidFill>
+                <a:effectLst/>
+                <a:latin typeface="JetBrains Mono"/>
+              </a:rPr>
+              <a:t>&gt; </a:t>
+            </a:r>
+            <a:r>
+              <a:rPr kumimoji="0" lang="en-US" altLang="en-US" sz="900" b="0" i="0" u="none" strike="noStrike" cap="none" normalizeH="0" baseline="0" dirty="0" err="1">
+                <a:ln>
+                  <a:noFill/>
+                </a:ln>
+                <a:solidFill>
+                  <a:srgbClr val="56A8F5"/>
+                </a:solidFill>
+                <a:effectLst/>
+                <a:latin typeface="JetBrains Mono"/>
+              </a:rPr>
+              <a:t>airportDest</a:t>
+            </a:r>
+            <a:r>
+              <a:rPr kumimoji="0" lang="en-US" altLang="en-US" sz="900" b="0" i="0" u="none" strike="noStrike" cap="none" normalizeH="0" baseline="0" dirty="0">
+                <a:ln>
+                  <a:noFill/>
+                </a:ln>
+                <a:solidFill>
+                  <a:srgbClr val="BCBEC4"/>
+                </a:solidFill>
+                <a:effectLst/>
+                <a:latin typeface="JetBrains Mono"/>
+              </a:rPr>
+              <a:t>(</a:t>
+            </a:r>
+            <a:r>
+              <a:rPr kumimoji="0" lang="en-US" altLang="en-US" sz="900" b="0" i="0" u="none" strike="noStrike" cap="none" normalizeH="0" baseline="0" dirty="0">
+                <a:ln>
+                  <a:noFill/>
+                </a:ln>
+                <a:solidFill>
+                  <a:srgbClr val="B5B6E3"/>
+                </a:solidFill>
+                <a:effectLst/>
+                <a:latin typeface="JetBrains Mono"/>
+              </a:rPr>
+              <a:t>Airport </a:t>
+            </a:r>
+            <a:r>
+              <a:rPr kumimoji="0" lang="en-US" altLang="en-US" sz="900" b="0" i="0" u="none" strike="noStrike" cap="none" normalizeH="0" baseline="0" dirty="0">
+                <a:ln>
+                  <a:noFill/>
+                </a:ln>
+                <a:solidFill>
+                  <a:srgbClr val="BCBEC4"/>
+                </a:solidFill>
+                <a:effectLst/>
+                <a:latin typeface="JetBrains Mono"/>
+              </a:rPr>
+              <a:t>airport);</a:t>
+            </a:r>
+            <a:endParaRPr kumimoji="0" lang="en-US" altLang="en-US" sz="1800" b="0" i="0" u="none" strike="noStrike" cap="none" normalizeH="0" baseline="0" dirty="0">
+              <a:ln>
+                <a:noFill/>
+              </a:ln>
+              <a:solidFill>
+                <a:schemeClr val="tx1"/>
+              </a:solidFill>
+              <a:effectLst/>
+              <a:latin typeface="Arial" panose="020B0604020202020204" pitchFamily="34" charset="0"/>
+            </a:endParaRPr>
+          </a:p>
+        </p:txBody>
+      </p:sp>
+      <p:sp>
+        <p:nvSpPr>
+          <p:cNvPr id="6" name="CaixaDeTexto 5">
+            <a:extLst>
+              <a:ext uri="{FF2B5EF4-FFF2-40B4-BE49-F238E27FC236}">
+                <a16:creationId xmlns:a16="http://schemas.microsoft.com/office/drawing/2014/main" id="{6889A5CA-EAC0-4F28-B693-C45F46A6F0EF}"/>
+              </a:ext>
+            </a:extLst>
+          </p:cNvPr>
+          <p:cNvSpPr txBox="1"/>
+          <p:nvPr/>
+        </p:nvSpPr>
+        <p:spPr>
+          <a:xfrm>
+            <a:off x="2133600" y="2865418"/>
+            <a:ext cx="3124200" cy="430887"/>
+          </a:xfrm>
+          <a:prstGeom prst="rect">
+            <a:avLst/>
+          </a:prstGeom>
+          <a:noFill/>
+        </p:spPr>
+        <p:txBody>
+          <a:bodyPr wrap="square" rtlCol="0">
+            <a:spAutoFit/>
+          </a:bodyPr>
+          <a:lstStyle/>
+          <a:p>
+            <a:r>
+              <a:rPr lang="en-US" sz="1100" dirty="0"/>
+              <a:t>Return possible destinations from a given airport</a:t>
+            </a:r>
+          </a:p>
+          <a:p>
+            <a:r>
+              <a:rPr lang="en-US" sz="1100" dirty="0"/>
+              <a:t>O(n)</a:t>
+            </a:r>
+          </a:p>
+        </p:txBody>
+      </p:sp>
+      <p:sp>
+        <p:nvSpPr>
+          <p:cNvPr id="7" name="Rectangle 3">
+            <a:extLst>
+              <a:ext uri="{FF2B5EF4-FFF2-40B4-BE49-F238E27FC236}">
+                <a16:creationId xmlns:a16="http://schemas.microsoft.com/office/drawing/2014/main" id="{AF1DDCB0-182E-4568-A4CA-9E034666E086}"/>
+              </a:ext>
+            </a:extLst>
+          </p:cNvPr>
+          <p:cNvSpPr>
+            <a:spLocks noChangeArrowheads="1"/>
+          </p:cNvSpPr>
+          <p:nvPr/>
+        </p:nvSpPr>
+        <p:spPr bwMode="auto">
+          <a:xfrm>
+            <a:off x="5257800" y="2619197"/>
+            <a:ext cx="2857500" cy="230832"/>
+          </a:xfrm>
+          <a:prstGeom prst="rect">
+            <a:avLst/>
+          </a:prstGeom>
+          <a:solidFill>
+            <a:srgbClr val="1E1F22"/>
+          </a:solidFill>
+          <a:ln>
+            <a:noFill/>
+          </a:ln>
+          <a:effectLst/>
+          <a:extLst>
+            <a:ext uri="{91240B29-F687-4F45-9708-019B960494DF}">
+              <a14:hiddenLine xmlns:a14="http://schemas.microsoft.com/office/drawing/2010/main" w="9525">
+                <a:solidFill>
+                  <a:schemeClr val="tx1"/>
+                </a:solidFill>
+                <a:miter lim="800000"/>
+                <a:headEnd/>
+                <a:tailEnd/>
+              </a14:hiddenLine>
+            </a:ext>
+            <a:ext uri="{AF507438-7753-43E0-B8FC-AC1667EBCBE1}">
+              <a14:hiddenEffects xmlns:a14="http://schemas.microsoft.com/office/drawing/2010/main">
+                <a:effectLst>
+                  <a:outerShdw dist="35921" dir="2700000" algn="ctr" rotWithShape="0">
+                    <a:schemeClr val="bg2"/>
+                  </a:outerShdw>
+                </a:effectLst>
+              </a14:hiddenEffects>
+            </a:ext>
+          </a:extLst>
+        </p:spPr>
+        <p:txBody>
+          <a:bodyPr vert="horz" wrap="square" lIns="91440" tIns="45720" rIns="91440" bIns="45720" numCol="1" anchor="ctr" anchorCtr="0" compatLnSpc="1">
+            <a:prstTxWarp prst="textNoShape">
+              <a:avLst/>
+            </a:prstTxWarp>
+            <a:spAutoFit/>
+          </a:bodyPr>
+          <a:lstStyle/>
+          <a:p>
+            <a:pPr marL="0" marR="0" lvl="0" indent="0" algn="l" defTabSz="914400" rtl="0" eaLnBrk="0" fontAlgn="base" latinLnBrk="0" hangingPunct="0">
+              <a:lnSpc>
+                <a:spcPct val="100000"/>
+              </a:lnSpc>
+              <a:spcBef>
+                <a:spcPct val="0"/>
+              </a:spcBef>
+              <a:spcAft>
+                <a:spcPct val="0"/>
+              </a:spcAft>
+              <a:buClrTx/>
+              <a:buSzTx/>
+              <a:buFontTx/>
+              <a:buNone/>
+              <a:tabLst/>
+            </a:pPr>
+            <a:r>
+              <a:rPr kumimoji="0" lang="en-US" altLang="en-US" sz="900" b="0" i="0" u="none" strike="noStrike" cap="none" normalizeH="0" baseline="0" dirty="0">
+                <a:ln>
+                  <a:noFill/>
+                </a:ln>
+                <a:solidFill>
+                  <a:srgbClr val="B5B6E3"/>
+                </a:solidFill>
+                <a:effectLst/>
+                <a:latin typeface="JetBrains Mono"/>
+              </a:rPr>
+              <a:t>set</a:t>
+            </a:r>
+            <a:r>
+              <a:rPr kumimoji="0" lang="en-US" altLang="en-US" sz="900" b="0" i="0" u="none" strike="noStrike" cap="none" normalizeH="0" baseline="0" dirty="0">
+                <a:ln>
+                  <a:noFill/>
+                </a:ln>
+                <a:solidFill>
+                  <a:srgbClr val="BCBEC4"/>
+                </a:solidFill>
+                <a:effectLst/>
+                <a:latin typeface="JetBrains Mono"/>
+              </a:rPr>
+              <a:t>&lt;</a:t>
+            </a:r>
+            <a:r>
+              <a:rPr kumimoji="0" lang="en-US" altLang="en-US" sz="900" b="0" i="0" u="none" strike="noStrike" cap="none" normalizeH="0" baseline="0" dirty="0">
+                <a:ln>
+                  <a:noFill/>
+                </a:ln>
+                <a:solidFill>
+                  <a:srgbClr val="B5B6E3"/>
+                </a:solidFill>
+                <a:effectLst/>
+                <a:latin typeface="JetBrains Mono"/>
+              </a:rPr>
+              <a:t>Airport</a:t>
+            </a:r>
+            <a:r>
+              <a:rPr kumimoji="0" lang="en-US" altLang="en-US" sz="900" b="0" i="0" u="none" strike="noStrike" cap="none" normalizeH="0" baseline="0" dirty="0">
+                <a:ln>
+                  <a:noFill/>
+                </a:ln>
+                <a:solidFill>
+                  <a:srgbClr val="BCBEC4"/>
+                </a:solidFill>
+                <a:effectLst/>
+                <a:latin typeface="JetBrains Mono"/>
+              </a:rPr>
+              <a:t>&gt; </a:t>
+            </a:r>
+            <a:r>
+              <a:rPr kumimoji="0" lang="en-US" altLang="en-US" sz="900" b="0" i="0" u="none" strike="noStrike" cap="none" normalizeH="0" baseline="0" dirty="0" err="1">
+                <a:ln>
+                  <a:noFill/>
+                </a:ln>
+                <a:solidFill>
+                  <a:srgbClr val="56A8F5"/>
+                </a:solidFill>
+                <a:effectLst/>
+                <a:latin typeface="JetBrains Mono"/>
+              </a:rPr>
+              <a:t>reachableAirports</a:t>
+            </a:r>
+            <a:r>
+              <a:rPr kumimoji="0" lang="en-US" altLang="en-US" sz="900" b="0" i="0" u="none" strike="noStrike" cap="none" normalizeH="0" baseline="0" dirty="0">
+                <a:ln>
+                  <a:noFill/>
+                </a:ln>
+                <a:solidFill>
+                  <a:srgbClr val="BCBEC4"/>
+                </a:solidFill>
+                <a:effectLst/>
+                <a:latin typeface="JetBrains Mono"/>
+              </a:rPr>
+              <a:t>(</a:t>
+            </a:r>
+            <a:r>
+              <a:rPr kumimoji="0" lang="en-US" altLang="en-US" sz="900" b="0" i="0" u="none" strike="noStrike" cap="none" normalizeH="0" baseline="0" dirty="0">
+                <a:ln>
+                  <a:noFill/>
+                </a:ln>
+                <a:solidFill>
+                  <a:srgbClr val="B9BCD1"/>
+                </a:solidFill>
+                <a:effectLst/>
+                <a:latin typeface="JetBrains Mono"/>
+              </a:rPr>
+              <a:t>string </a:t>
+            </a:r>
+            <a:r>
+              <a:rPr kumimoji="0" lang="en-US" altLang="en-US" sz="900" b="0" i="0" u="none" strike="noStrike" cap="none" normalizeH="0" baseline="0" dirty="0">
+                <a:ln>
+                  <a:noFill/>
+                </a:ln>
+                <a:solidFill>
+                  <a:srgbClr val="BCBEC4"/>
+                </a:solidFill>
+                <a:effectLst/>
+                <a:latin typeface="JetBrains Mono"/>
+              </a:rPr>
+              <a:t>code, </a:t>
+            </a:r>
+            <a:r>
+              <a:rPr kumimoji="0" lang="en-US" altLang="en-US" sz="900" b="0" i="0" u="none" strike="noStrike" cap="none" normalizeH="0" baseline="0" dirty="0">
+                <a:ln>
+                  <a:noFill/>
+                </a:ln>
+                <a:solidFill>
+                  <a:srgbClr val="CF8E6D"/>
+                </a:solidFill>
+                <a:effectLst/>
+                <a:latin typeface="JetBrains Mono"/>
+              </a:rPr>
+              <a:t>int </a:t>
+            </a:r>
+            <a:r>
+              <a:rPr kumimoji="0" lang="en-US" altLang="en-US" sz="900" b="0" i="0" u="none" strike="noStrike" cap="none" normalizeH="0" baseline="0" dirty="0">
+                <a:ln>
+                  <a:noFill/>
+                </a:ln>
+                <a:solidFill>
+                  <a:srgbClr val="BCBEC4"/>
+                </a:solidFill>
+                <a:effectLst/>
+                <a:latin typeface="JetBrains Mono"/>
+              </a:rPr>
+              <a:t>n);</a:t>
+            </a:r>
+            <a:endParaRPr kumimoji="0" lang="en-US" altLang="en-US" sz="1800" b="0" i="0" u="none" strike="noStrike" cap="none" normalizeH="0" baseline="0" dirty="0">
+              <a:ln>
+                <a:noFill/>
+              </a:ln>
+              <a:solidFill>
+                <a:schemeClr val="tx1"/>
+              </a:solidFill>
+              <a:effectLst/>
+              <a:latin typeface="Arial" panose="020B0604020202020204" pitchFamily="34" charset="0"/>
+            </a:endParaRPr>
+          </a:p>
+        </p:txBody>
+      </p:sp>
+      <p:sp>
+        <p:nvSpPr>
+          <p:cNvPr id="8" name="CaixaDeTexto 7">
+            <a:extLst>
+              <a:ext uri="{FF2B5EF4-FFF2-40B4-BE49-F238E27FC236}">
+                <a16:creationId xmlns:a16="http://schemas.microsoft.com/office/drawing/2014/main" id="{1E00F781-5485-461B-83F2-0345A0BCAC66}"/>
+              </a:ext>
+            </a:extLst>
+          </p:cNvPr>
+          <p:cNvSpPr txBox="1"/>
+          <p:nvPr/>
+        </p:nvSpPr>
+        <p:spPr>
+          <a:xfrm>
+            <a:off x="5257800" y="2927687"/>
+            <a:ext cx="2468880" cy="430887"/>
+          </a:xfrm>
+          <a:prstGeom prst="rect">
+            <a:avLst/>
+          </a:prstGeom>
+          <a:noFill/>
+        </p:spPr>
+        <p:txBody>
+          <a:bodyPr wrap="square" rtlCol="0">
+            <a:spAutoFit/>
+          </a:bodyPr>
+          <a:lstStyle/>
+          <a:p>
+            <a:r>
+              <a:rPr lang="en-US" sz="1100" dirty="0"/>
+              <a:t>Returns reachable airports in n stops</a:t>
+            </a:r>
+          </a:p>
+          <a:p>
+            <a:r>
+              <a:rPr lang="pt-PT" sz="1100" dirty="0"/>
+              <a:t>O(n*e*m*</a:t>
+            </a:r>
+            <a:r>
+              <a:rPr lang="pt-PT" sz="1100" dirty="0" err="1"/>
+              <a:t>logm</a:t>
+            </a:r>
+            <a:r>
+              <a:rPr lang="pt-PT" sz="1100" dirty="0"/>
+              <a:t>)</a:t>
+            </a:r>
+            <a:r>
+              <a:rPr lang="en-US" sz="1100" dirty="0"/>
+              <a:t> </a:t>
+            </a:r>
+          </a:p>
+        </p:txBody>
+      </p:sp>
+      <p:sp>
+        <p:nvSpPr>
+          <p:cNvPr id="12" name="Rectangle 5">
+            <a:extLst>
+              <a:ext uri="{FF2B5EF4-FFF2-40B4-BE49-F238E27FC236}">
+                <a16:creationId xmlns:a16="http://schemas.microsoft.com/office/drawing/2014/main" id="{2952654B-D7E0-4E54-94DE-4E632BD9CAB7}"/>
+              </a:ext>
+            </a:extLst>
+          </p:cNvPr>
+          <p:cNvSpPr>
+            <a:spLocks noChangeArrowheads="1"/>
+          </p:cNvSpPr>
+          <p:nvPr/>
+        </p:nvSpPr>
+        <p:spPr bwMode="auto">
+          <a:xfrm>
+            <a:off x="2231136" y="3358574"/>
+            <a:ext cx="1943100" cy="230832"/>
+          </a:xfrm>
+          <a:prstGeom prst="rect">
+            <a:avLst/>
+          </a:prstGeom>
+          <a:solidFill>
+            <a:srgbClr val="1E1F22"/>
+          </a:solidFill>
+          <a:ln>
+            <a:noFill/>
+          </a:ln>
+          <a:effectLst/>
+          <a:extLst>
+            <a:ext uri="{91240B29-F687-4F45-9708-019B960494DF}">
+              <a14:hiddenLine xmlns:a14="http://schemas.microsoft.com/office/drawing/2010/main" w="9525">
+                <a:solidFill>
+                  <a:schemeClr val="tx1"/>
+                </a:solidFill>
+                <a:miter lim="800000"/>
+                <a:headEnd/>
+                <a:tailEnd/>
+              </a14:hiddenLine>
+            </a:ext>
+            <a:ext uri="{AF507438-7753-43E0-B8FC-AC1667EBCBE1}">
+              <a14:hiddenEffects xmlns:a14="http://schemas.microsoft.com/office/drawing/2010/main">
+                <a:effectLst>
+                  <a:outerShdw dist="35921" dir="2700000" algn="ctr" rotWithShape="0">
+                    <a:schemeClr val="bg2"/>
+                  </a:outerShdw>
+                </a:effectLst>
+              </a14:hiddenEffects>
+            </a:ext>
+          </a:extLst>
+        </p:spPr>
+        <p:txBody>
+          <a:bodyPr vert="horz" wrap="square" lIns="91440" tIns="45720" rIns="91440" bIns="45720" numCol="1" anchor="ctr" anchorCtr="0" compatLnSpc="1">
+            <a:prstTxWarp prst="textNoShape">
+              <a:avLst/>
+            </a:prstTxWarp>
+            <a:spAutoFit/>
+          </a:bodyPr>
+          <a:lstStyle/>
+          <a:p>
+            <a:pPr marL="0" marR="0" lvl="0" indent="0" algn="l" defTabSz="914400" rtl="0" eaLnBrk="0" fontAlgn="base" latinLnBrk="0" hangingPunct="0">
+              <a:lnSpc>
+                <a:spcPct val="100000"/>
+              </a:lnSpc>
+              <a:spcBef>
+                <a:spcPct val="0"/>
+              </a:spcBef>
+              <a:spcAft>
+                <a:spcPct val="0"/>
+              </a:spcAft>
+              <a:buClrTx/>
+              <a:buSzTx/>
+              <a:buFontTx/>
+              <a:buNone/>
+              <a:tabLst/>
+            </a:pPr>
+            <a:r>
+              <a:rPr kumimoji="0" lang="en-US" altLang="en-US" sz="900" b="0" i="0" u="none" strike="noStrike" cap="none" normalizeH="0" baseline="0">
+                <a:ln>
+                  <a:noFill/>
+                </a:ln>
+                <a:solidFill>
+                  <a:srgbClr val="B5B6E3"/>
+                </a:solidFill>
+                <a:effectLst/>
+                <a:latin typeface="JetBrains Mono"/>
+              </a:rPr>
+              <a:t>set</a:t>
+            </a:r>
+            <a:r>
+              <a:rPr kumimoji="0" lang="en-US" altLang="en-US" sz="900" b="0" i="0" u="none" strike="noStrike" cap="none" normalizeH="0" baseline="0">
+                <a:ln>
+                  <a:noFill/>
+                </a:ln>
+                <a:solidFill>
+                  <a:srgbClr val="BCBEC4"/>
+                </a:solidFill>
+                <a:effectLst/>
+                <a:latin typeface="JetBrains Mono"/>
+              </a:rPr>
+              <a:t>&lt;</a:t>
+            </a:r>
+            <a:r>
+              <a:rPr kumimoji="0" lang="en-US" altLang="en-US" sz="900" b="0" i="0" u="none" strike="noStrike" cap="none" normalizeH="0" baseline="0">
+                <a:ln>
+                  <a:noFill/>
+                </a:ln>
+                <a:solidFill>
+                  <a:srgbClr val="B5B6E3"/>
+                </a:solidFill>
+                <a:effectLst/>
+                <a:latin typeface="JetBrains Mono"/>
+              </a:rPr>
+              <a:t>Airport</a:t>
+            </a:r>
+            <a:r>
+              <a:rPr kumimoji="0" lang="en-US" altLang="en-US" sz="900" b="0" i="0" u="none" strike="noStrike" cap="none" normalizeH="0" baseline="0">
+                <a:ln>
+                  <a:noFill/>
+                </a:ln>
+                <a:solidFill>
+                  <a:srgbClr val="BCBEC4"/>
+                </a:solidFill>
+                <a:effectLst/>
+                <a:latin typeface="JetBrains Mono"/>
+              </a:rPr>
+              <a:t>&gt; </a:t>
+            </a:r>
+            <a:r>
+              <a:rPr kumimoji="0" lang="en-US" altLang="en-US" sz="900" b="0" i="0" u="none" strike="noStrike" cap="none" normalizeH="0" baseline="0">
+                <a:ln>
+                  <a:noFill/>
+                </a:ln>
+                <a:solidFill>
+                  <a:srgbClr val="56A8F5"/>
+                </a:solidFill>
+                <a:effectLst/>
+                <a:latin typeface="JetBrains Mono"/>
+              </a:rPr>
+              <a:t>findArticulationPoints</a:t>
+            </a:r>
+            <a:r>
+              <a:rPr kumimoji="0" lang="en-US" altLang="en-US" sz="900" b="0" i="0" u="none" strike="noStrike" cap="none" normalizeH="0" baseline="0">
+                <a:ln>
+                  <a:noFill/>
+                </a:ln>
+                <a:solidFill>
+                  <a:srgbClr val="BCBEC4"/>
+                </a:solidFill>
+                <a:effectLst/>
+                <a:latin typeface="JetBrains Mono"/>
+              </a:rPr>
+              <a:t>();</a:t>
+            </a:r>
+            <a:endParaRPr kumimoji="0" lang="en-US" altLang="en-US" sz="1800" b="0" i="0" u="none" strike="noStrike" cap="none" normalizeH="0" baseline="0">
+              <a:ln>
+                <a:noFill/>
+              </a:ln>
+              <a:solidFill>
+                <a:schemeClr val="tx1"/>
+              </a:solidFill>
+              <a:effectLst/>
+              <a:latin typeface="Arial" panose="020B0604020202020204" pitchFamily="34" charset="0"/>
+            </a:endParaRPr>
+          </a:p>
+        </p:txBody>
+      </p:sp>
+      <p:sp>
+        <p:nvSpPr>
+          <p:cNvPr id="13" name="CaixaDeTexto 12">
+            <a:extLst>
+              <a:ext uri="{FF2B5EF4-FFF2-40B4-BE49-F238E27FC236}">
+                <a16:creationId xmlns:a16="http://schemas.microsoft.com/office/drawing/2014/main" id="{8A3898EF-F1D0-44FA-89F1-847D67295453}"/>
+              </a:ext>
+            </a:extLst>
+          </p:cNvPr>
+          <p:cNvSpPr txBox="1"/>
+          <p:nvPr/>
+        </p:nvSpPr>
+        <p:spPr>
+          <a:xfrm>
+            <a:off x="2133600" y="3703320"/>
+            <a:ext cx="1943100" cy="600164"/>
+          </a:xfrm>
+          <a:prstGeom prst="rect">
+            <a:avLst/>
+          </a:prstGeom>
+          <a:noFill/>
+        </p:spPr>
+        <p:txBody>
+          <a:bodyPr wrap="square" rtlCol="0">
+            <a:spAutoFit/>
+          </a:bodyPr>
+          <a:lstStyle/>
+          <a:p>
+            <a:r>
+              <a:rPr lang="en-US" sz="1100" dirty="0"/>
+              <a:t>Returns essential airports</a:t>
+            </a:r>
+          </a:p>
+          <a:p>
+            <a:r>
+              <a:rPr lang="en-US" sz="1100" dirty="0"/>
+              <a:t>O(V *( V + E ))</a:t>
+            </a:r>
+          </a:p>
+          <a:p>
+            <a:endParaRPr lang="en-US" sz="1100" dirty="0"/>
+          </a:p>
+        </p:txBody>
+      </p:sp>
+      <p:sp>
+        <p:nvSpPr>
+          <p:cNvPr id="15" name="Rectangle 6">
+            <a:extLst>
+              <a:ext uri="{FF2B5EF4-FFF2-40B4-BE49-F238E27FC236}">
+                <a16:creationId xmlns:a16="http://schemas.microsoft.com/office/drawing/2014/main" id="{3DEE0C91-0FF0-4DA9-8A91-0ADC808AE60E}"/>
+              </a:ext>
+            </a:extLst>
+          </p:cNvPr>
+          <p:cNvSpPr>
+            <a:spLocks noChangeArrowheads="1"/>
+          </p:cNvSpPr>
+          <p:nvPr/>
+        </p:nvSpPr>
+        <p:spPr bwMode="auto">
+          <a:xfrm>
+            <a:off x="4433316" y="3358574"/>
+            <a:ext cx="2011680" cy="230832"/>
+          </a:xfrm>
+          <a:prstGeom prst="rect">
+            <a:avLst/>
+          </a:prstGeom>
+          <a:solidFill>
+            <a:srgbClr val="1E1F22"/>
+          </a:solidFill>
+          <a:ln>
+            <a:noFill/>
+          </a:ln>
+          <a:effectLst/>
+          <a:extLst>
+            <a:ext uri="{91240B29-F687-4F45-9708-019B960494DF}">
+              <a14:hiddenLine xmlns:a14="http://schemas.microsoft.com/office/drawing/2010/main" w="9525">
+                <a:solidFill>
+                  <a:schemeClr val="tx1"/>
+                </a:solidFill>
+                <a:miter lim="800000"/>
+                <a:headEnd/>
+                <a:tailEnd/>
+              </a14:hiddenLine>
+            </a:ext>
+            <a:ext uri="{AF507438-7753-43E0-B8FC-AC1667EBCBE1}">
+              <a14:hiddenEffects xmlns:a14="http://schemas.microsoft.com/office/drawing/2010/main">
+                <a:effectLst>
+                  <a:outerShdw dist="35921" dir="2700000" algn="ctr" rotWithShape="0">
+                    <a:schemeClr val="bg2"/>
+                  </a:outerShdw>
+                </a:effectLst>
+              </a14:hiddenEffects>
+            </a:ext>
+          </a:extLst>
+        </p:spPr>
+        <p:txBody>
+          <a:bodyPr vert="horz" wrap="square" lIns="91440" tIns="45720" rIns="91440" bIns="45720" numCol="1" anchor="ctr" anchorCtr="0" compatLnSpc="1">
+            <a:prstTxWarp prst="textNoShape">
+              <a:avLst/>
+            </a:prstTxWarp>
+            <a:spAutoFit/>
+          </a:bodyPr>
+          <a:lstStyle/>
+          <a:p>
+            <a:pPr marL="0" marR="0" lvl="0" indent="0" algn="l" defTabSz="914400" rtl="0" eaLnBrk="0" fontAlgn="base" latinLnBrk="0" hangingPunct="0">
+              <a:lnSpc>
+                <a:spcPct val="100000"/>
+              </a:lnSpc>
+              <a:spcBef>
+                <a:spcPct val="0"/>
+              </a:spcBef>
+              <a:spcAft>
+                <a:spcPct val="0"/>
+              </a:spcAft>
+              <a:buClrTx/>
+              <a:buSzTx/>
+              <a:buFontTx/>
+              <a:buNone/>
+              <a:tabLst/>
+            </a:pPr>
+            <a:r>
+              <a:rPr kumimoji="0" lang="en-US" altLang="en-US" sz="900" b="0" i="0" u="none" strike="noStrike" cap="none" normalizeH="0" baseline="0" dirty="0">
+                <a:ln>
+                  <a:noFill/>
+                </a:ln>
+                <a:solidFill>
+                  <a:srgbClr val="B5B6E3"/>
+                </a:solidFill>
+                <a:effectLst/>
+                <a:latin typeface="JetBrains Mono"/>
+              </a:rPr>
+              <a:t>vector</a:t>
+            </a:r>
+            <a:r>
+              <a:rPr kumimoji="0" lang="en-US" altLang="en-US" sz="900" b="0" i="0" u="none" strike="noStrike" cap="none" normalizeH="0" baseline="0" dirty="0">
+                <a:ln>
+                  <a:noFill/>
+                </a:ln>
+                <a:solidFill>
+                  <a:srgbClr val="BCBEC4"/>
+                </a:solidFill>
+                <a:effectLst/>
+                <a:latin typeface="JetBrains Mono"/>
+              </a:rPr>
+              <a:t>&lt;</a:t>
+            </a:r>
+            <a:r>
+              <a:rPr kumimoji="0" lang="en-US" altLang="en-US" sz="900" b="0" i="0" u="none" strike="noStrike" cap="none" normalizeH="0" baseline="0" dirty="0">
+                <a:ln>
+                  <a:noFill/>
+                </a:ln>
+                <a:solidFill>
+                  <a:srgbClr val="B5B6E3"/>
+                </a:solidFill>
+                <a:effectLst/>
+                <a:latin typeface="JetBrains Mono"/>
+              </a:rPr>
+              <a:t>pair</a:t>
+            </a:r>
+            <a:r>
+              <a:rPr kumimoji="0" lang="en-US" altLang="en-US" sz="900" b="0" i="0" u="none" strike="noStrike" cap="none" normalizeH="0" baseline="0" dirty="0">
+                <a:ln>
+                  <a:noFill/>
+                </a:ln>
+                <a:solidFill>
+                  <a:srgbClr val="BCBEC4"/>
+                </a:solidFill>
+                <a:effectLst/>
+                <a:latin typeface="JetBrains Mono"/>
+              </a:rPr>
+              <a:t>&lt;</a:t>
+            </a:r>
+            <a:r>
+              <a:rPr kumimoji="0" lang="en-US" altLang="en-US" sz="900" b="0" i="0" u="none" strike="noStrike" cap="none" normalizeH="0" baseline="0" dirty="0">
+                <a:ln>
+                  <a:noFill/>
+                </a:ln>
+                <a:solidFill>
+                  <a:srgbClr val="B5B6E3"/>
+                </a:solidFill>
+                <a:effectLst/>
+                <a:latin typeface="JetBrains Mono"/>
+              </a:rPr>
+              <a:t>Airport</a:t>
+            </a:r>
+            <a:r>
+              <a:rPr kumimoji="0" lang="en-US" altLang="en-US" sz="900" b="0" i="0" u="none" strike="noStrike" cap="none" normalizeH="0" baseline="0" dirty="0">
+                <a:ln>
+                  <a:noFill/>
+                </a:ln>
+                <a:solidFill>
+                  <a:srgbClr val="BCBEC4"/>
+                </a:solidFill>
+                <a:effectLst/>
+                <a:latin typeface="JetBrains Mono"/>
+              </a:rPr>
+              <a:t>, </a:t>
+            </a:r>
+            <a:r>
+              <a:rPr kumimoji="0" lang="en-US" altLang="en-US" sz="900" b="0" i="0" u="none" strike="noStrike" cap="none" normalizeH="0" baseline="0" dirty="0">
+                <a:ln>
+                  <a:noFill/>
+                </a:ln>
+                <a:solidFill>
+                  <a:srgbClr val="CF8E6D"/>
+                </a:solidFill>
+                <a:effectLst/>
+                <a:latin typeface="JetBrains Mono"/>
+              </a:rPr>
+              <a:t>int</a:t>
+            </a:r>
+            <a:r>
+              <a:rPr kumimoji="0" lang="en-US" altLang="en-US" sz="900" b="0" i="0" u="none" strike="noStrike" cap="none" normalizeH="0" baseline="0" dirty="0">
+                <a:ln>
+                  <a:noFill/>
+                </a:ln>
+                <a:solidFill>
+                  <a:srgbClr val="BCBEC4"/>
+                </a:solidFill>
+                <a:effectLst/>
+                <a:latin typeface="JetBrains Mono"/>
+              </a:rPr>
+              <a:t>&gt;&gt; </a:t>
+            </a:r>
+            <a:r>
+              <a:rPr kumimoji="0" lang="en-US" altLang="en-US" sz="900" b="0" i="0" u="none" strike="noStrike" cap="none" normalizeH="0" baseline="0" dirty="0" err="1">
+                <a:ln>
+                  <a:noFill/>
+                </a:ln>
+                <a:solidFill>
+                  <a:srgbClr val="56A8F5"/>
+                </a:solidFill>
+                <a:effectLst/>
+                <a:latin typeface="JetBrains Mono"/>
+              </a:rPr>
+              <a:t>getTraffic</a:t>
+            </a:r>
+            <a:r>
+              <a:rPr kumimoji="0" lang="en-US" altLang="en-US" sz="900" b="0" i="0" u="none" strike="noStrike" cap="none" normalizeH="0" baseline="0" dirty="0">
+                <a:ln>
+                  <a:noFill/>
+                </a:ln>
+                <a:solidFill>
+                  <a:srgbClr val="BCBEC4"/>
+                </a:solidFill>
+                <a:effectLst/>
+                <a:latin typeface="JetBrains Mono"/>
+              </a:rPr>
+              <a:t>();</a:t>
+            </a:r>
+            <a:endParaRPr kumimoji="0" lang="en-US" altLang="en-US" sz="1800" b="0" i="0" u="none" strike="noStrike" cap="none" normalizeH="0" baseline="0" dirty="0">
+              <a:ln>
+                <a:noFill/>
+              </a:ln>
+              <a:solidFill>
+                <a:schemeClr val="tx1"/>
+              </a:solidFill>
+              <a:effectLst/>
+              <a:latin typeface="Arial" panose="020B0604020202020204" pitchFamily="34" charset="0"/>
+            </a:endParaRPr>
+          </a:p>
+        </p:txBody>
+      </p:sp>
+      <p:sp>
+        <p:nvSpPr>
+          <p:cNvPr id="16" name="CaixaDeTexto 15">
+            <a:extLst>
+              <a:ext uri="{FF2B5EF4-FFF2-40B4-BE49-F238E27FC236}">
+                <a16:creationId xmlns:a16="http://schemas.microsoft.com/office/drawing/2014/main" id="{611E24AD-0BC6-474B-8A0A-76E336014A79}"/>
+              </a:ext>
+            </a:extLst>
+          </p:cNvPr>
+          <p:cNvSpPr txBox="1"/>
+          <p:nvPr/>
+        </p:nvSpPr>
+        <p:spPr>
+          <a:xfrm>
+            <a:off x="4433316" y="3651675"/>
+            <a:ext cx="2234184" cy="430887"/>
+          </a:xfrm>
+          <a:prstGeom prst="rect">
+            <a:avLst/>
+          </a:prstGeom>
+          <a:noFill/>
+        </p:spPr>
+        <p:txBody>
+          <a:bodyPr wrap="square" rtlCol="0">
+            <a:spAutoFit/>
+          </a:bodyPr>
+          <a:lstStyle/>
+          <a:p>
+            <a:r>
+              <a:rPr lang="en-US" sz="1100" dirty="0"/>
+              <a:t>Returns list of traffic by airport</a:t>
+            </a:r>
+          </a:p>
+          <a:p>
+            <a:r>
+              <a:rPr lang="en-US" sz="1100" dirty="0"/>
+              <a:t>O(1)</a:t>
+            </a:r>
+          </a:p>
+        </p:txBody>
+      </p:sp>
+      <p:sp>
+        <p:nvSpPr>
+          <p:cNvPr id="18" name="Rectangle 7">
+            <a:extLst>
+              <a:ext uri="{FF2B5EF4-FFF2-40B4-BE49-F238E27FC236}">
+                <a16:creationId xmlns:a16="http://schemas.microsoft.com/office/drawing/2014/main" id="{09751E65-45D5-4DFD-803E-EE030A6D2BC1}"/>
+              </a:ext>
+            </a:extLst>
+          </p:cNvPr>
+          <p:cNvSpPr>
+            <a:spLocks noChangeArrowheads="1"/>
+          </p:cNvSpPr>
+          <p:nvPr/>
+        </p:nvSpPr>
+        <p:spPr bwMode="auto">
+          <a:xfrm>
+            <a:off x="6667500" y="3389708"/>
+            <a:ext cx="3025140" cy="230832"/>
+          </a:xfrm>
+          <a:prstGeom prst="rect">
+            <a:avLst/>
+          </a:prstGeom>
+          <a:solidFill>
+            <a:srgbClr val="1E1F22"/>
+          </a:solidFill>
+          <a:ln>
+            <a:noFill/>
+          </a:ln>
+          <a:effectLst/>
+          <a:extLst>
+            <a:ext uri="{91240B29-F687-4F45-9708-019B960494DF}">
+              <a14:hiddenLine xmlns:a14="http://schemas.microsoft.com/office/drawing/2010/main" w="9525">
+                <a:solidFill>
+                  <a:schemeClr val="tx1"/>
+                </a:solidFill>
+                <a:miter lim="800000"/>
+                <a:headEnd/>
+                <a:tailEnd/>
+              </a14:hiddenLine>
+            </a:ext>
+            <a:ext uri="{AF507438-7753-43E0-B8FC-AC1667EBCBE1}">
+              <a14:hiddenEffects xmlns:a14="http://schemas.microsoft.com/office/drawing/2010/main">
+                <a:effectLst>
+                  <a:outerShdw dist="35921" dir="2700000" algn="ctr" rotWithShape="0">
+                    <a:schemeClr val="bg2"/>
+                  </a:outerShdw>
+                </a:effectLst>
+              </a14:hiddenEffects>
+            </a:ext>
+          </a:extLst>
+        </p:spPr>
+        <p:txBody>
+          <a:bodyPr vert="horz" wrap="square" lIns="91440" tIns="45720" rIns="91440" bIns="45720" numCol="1" anchor="ctr" anchorCtr="0" compatLnSpc="1">
+            <a:prstTxWarp prst="textNoShape">
+              <a:avLst/>
+            </a:prstTxWarp>
+            <a:spAutoFit/>
+          </a:bodyPr>
+          <a:lstStyle/>
+          <a:p>
+            <a:pPr marL="0" marR="0" lvl="0" indent="0" algn="l" defTabSz="914400" rtl="0" eaLnBrk="0" fontAlgn="base" latinLnBrk="0" hangingPunct="0">
+              <a:lnSpc>
+                <a:spcPct val="100000"/>
+              </a:lnSpc>
+              <a:spcBef>
+                <a:spcPct val="0"/>
+              </a:spcBef>
+              <a:spcAft>
+                <a:spcPct val="0"/>
+              </a:spcAft>
+              <a:buClrTx/>
+              <a:buSzTx/>
+              <a:buFontTx/>
+              <a:buNone/>
+              <a:tabLst/>
+            </a:pPr>
+            <a:r>
+              <a:rPr kumimoji="0" lang="en-US" altLang="en-US" sz="900" b="0" i="0" u="none" strike="noStrike" cap="none" normalizeH="0" baseline="0">
+                <a:ln>
+                  <a:noFill/>
+                </a:ln>
+                <a:solidFill>
+                  <a:srgbClr val="B5B6E3"/>
+                </a:solidFill>
+                <a:effectLst/>
+                <a:latin typeface="JetBrains Mono"/>
+              </a:rPr>
+              <a:t>pair</a:t>
+            </a:r>
+            <a:r>
+              <a:rPr kumimoji="0" lang="en-US" altLang="en-US" sz="900" b="0" i="0" u="none" strike="noStrike" cap="none" normalizeH="0" baseline="0">
+                <a:ln>
+                  <a:noFill/>
+                </a:ln>
+                <a:solidFill>
+                  <a:srgbClr val="BCBEC4"/>
+                </a:solidFill>
+                <a:effectLst/>
+                <a:latin typeface="JetBrains Mono"/>
+              </a:rPr>
+              <a:t>&lt;</a:t>
+            </a:r>
+            <a:r>
+              <a:rPr kumimoji="0" lang="en-US" altLang="en-US" sz="900" b="0" i="0" u="none" strike="noStrike" cap="none" normalizeH="0" baseline="0">
+                <a:ln>
+                  <a:noFill/>
+                </a:ln>
+                <a:solidFill>
+                  <a:srgbClr val="B5B6E3"/>
+                </a:solidFill>
+                <a:effectLst/>
+                <a:latin typeface="JetBrains Mono"/>
+              </a:rPr>
+              <a:t>vector</a:t>
+            </a:r>
+            <a:r>
+              <a:rPr kumimoji="0" lang="en-US" altLang="en-US" sz="900" b="0" i="0" u="none" strike="noStrike" cap="none" normalizeH="0" baseline="0">
+                <a:ln>
+                  <a:noFill/>
+                </a:ln>
+                <a:solidFill>
+                  <a:srgbClr val="BCBEC4"/>
+                </a:solidFill>
+                <a:effectLst/>
+                <a:latin typeface="JetBrains Mono"/>
+              </a:rPr>
+              <a:t>&lt;</a:t>
+            </a:r>
+            <a:r>
+              <a:rPr kumimoji="0" lang="en-US" altLang="en-US" sz="900" b="0" i="0" u="none" strike="noStrike" cap="none" normalizeH="0" baseline="0">
+                <a:ln>
+                  <a:noFill/>
+                </a:ln>
+                <a:solidFill>
+                  <a:srgbClr val="B5B6E3"/>
+                </a:solidFill>
+                <a:effectLst/>
+                <a:latin typeface="JetBrains Mono"/>
+              </a:rPr>
+              <a:t>pair</a:t>
+            </a:r>
+            <a:r>
+              <a:rPr kumimoji="0" lang="en-US" altLang="en-US" sz="900" b="0" i="0" u="none" strike="noStrike" cap="none" normalizeH="0" baseline="0">
+                <a:ln>
+                  <a:noFill/>
+                </a:ln>
+                <a:solidFill>
+                  <a:srgbClr val="BCBEC4"/>
+                </a:solidFill>
+                <a:effectLst/>
+                <a:latin typeface="JetBrains Mono"/>
+              </a:rPr>
+              <a:t>&lt;</a:t>
+            </a:r>
+            <a:r>
+              <a:rPr kumimoji="0" lang="en-US" altLang="en-US" sz="900" b="0" i="0" u="none" strike="noStrike" cap="none" normalizeH="0" baseline="0">
+                <a:ln>
+                  <a:noFill/>
+                </a:ln>
+                <a:solidFill>
+                  <a:srgbClr val="B5B6E3"/>
+                </a:solidFill>
+                <a:effectLst/>
+                <a:latin typeface="JetBrains Mono"/>
+              </a:rPr>
+              <a:t>Airport</a:t>
+            </a:r>
+            <a:r>
+              <a:rPr kumimoji="0" lang="en-US" altLang="en-US" sz="900" b="0" i="0" u="none" strike="noStrike" cap="none" normalizeH="0" baseline="0">
+                <a:ln>
+                  <a:noFill/>
+                </a:ln>
+                <a:solidFill>
+                  <a:srgbClr val="BCBEC4"/>
+                </a:solidFill>
+                <a:effectLst/>
+                <a:latin typeface="JetBrains Mono"/>
+              </a:rPr>
+              <a:t>, </a:t>
+            </a:r>
+            <a:r>
+              <a:rPr kumimoji="0" lang="en-US" altLang="en-US" sz="900" b="0" i="0" u="none" strike="noStrike" cap="none" normalizeH="0" baseline="0">
+                <a:ln>
+                  <a:noFill/>
+                </a:ln>
+                <a:solidFill>
+                  <a:srgbClr val="B5B6E3"/>
+                </a:solidFill>
+                <a:effectLst/>
+                <a:latin typeface="JetBrains Mono"/>
+              </a:rPr>
+              <a:t>Airport</a:t>
+            </a:r>
+            <a:r>
+              <a:rPr kumimoji="0" lang="en-US" altLang="en-US" sz="900" b="0" i="0" u="none" strike="noStrike" cap="none" normalizeH="0" baseline="0">
+                <a:ln>
+                  <a:noFill/>
+                </a:ln>
+                <a:solidFill>
+                  <a:srgbClr val="BCBEC4"/>
+                </a:solidFill>
+                <a:effectLst/>
+                <a:latin typeface="JetBrains Mono"/>
+              </a:rPr>
+              <a:t>&gt;&gt;, </a:t>
+            </a:r>
+            <a:r>
+              <a:rPr kumimoji="0" lang="en-US" altLang="en-US" sz="900" b="0" i="0" u="none" strike="noStrike" cap="none" normalizeH="0" baseline="0">
+                <a:ln>
+                  <a:noFill/>
+                </a:ln>
+                <a:solidFill>
+                  <a:srgbClr val="CF8E6D"/>
+                </a:solidFill>
+                <a:effectLst/>
+                <a:latin typeface="JetBrains Mono"/>
+              </a:rPr>
+              <a:t>int</a:t>
+            </a:r>
+            <a:r>
+              <a:rPr kumimoji="0" lang="en-US" altLang="en-US" sz="900" b="0" i="0" u="none" strike="noStrike" cap="none" normalizeH="0" baseline="0">
+                <a:ln>
+                  <a:noFill/>
+                </a:ln>
+                <a:solidFill>
+                  <a:srgbClr val="BCBEC4"/>
+                </a:solidFill>
+                <a:effectLst/>
+                <a:latin typeface="JetBrains Mono"/>
+              </a:rPr>
+              <a:t>&gt; </a:t>
+            </a:r>
+            <a:r>
+              <a:rPr kumimoji="0" lang="en-US" altLang="en-US" sz="900" b="0" i="0" u="none" strike="noStrike" cap="none" normalizeH="0" baseline="0">
+                <a:ln>
+                  <a:noFill/>
+                </a:ln>
+                <a:solidFill>
+                  <a:srgbClr val="56A8F5"/>
+                </a:solidFill>
+                <a:effectLst/>
+                <a:latin typeface="JetBrains Mono"/>
+              </a:rPr>
+              <a:t>longestTrips</a:t>
+            </a:r>
+            <a:r>
+              <a:rPr kumimoji="0" lang="en-US" altLang="en-US" sz="900" b="0" i="0" u="none" strike="noStrike" cap="none" normalizeH="0" baseline="0">
+                <a:ln>
+                  <a:noFill/>
+                </a:ln>
+                <a:solidFill>
+                  <a:srgbClr val="BCBEC4"/>
+                </a:solidFill>
+                <a:effectLst/>
+                <a:latin typeface="JetBrains Mono"/>
+              </a:rPr>
+              <a:t>();</a:t>
+            </a:r>
+            <a:endParaRPr kumimoji="0" lang="en-US" altLang="en-US" sz="1800" b="0" i="0" u="none" strike="noStrike" cap="none" normalizeH="0" baseline="0">
+              <a:ln>
+                <a:noFill/>
+              </a:ln>
+              <a:solidFill>
+                <a:schemeClr val="tx1"/>
+              </a:solidFill>
+              <a:effectLst/>
+              <a:latin typeface="Arial" panose="020B0604020202020204" pitchFamily="34" charset="0"/>
+            </a:endParaRPr>
+          </a:p>
+        </p:txBody>
+      </p:sp>
+      <p:sp>
+        <p:nvSpPr>
+          <p:cNvPr id="19" name="CaixaDeTexto 18">
+            <a:extLst>
+              <a:ext uri="{FF2B5EF4-FFF2-40B4-BE49-F238E27FC236}">
+                <a16:creationId xmlns:a16="http://schemas.microsoft.com/office/drawing/2014/main" id="{392D42C3-84FC-4503-AE31-03BBEB214044}"/>
+              </a:ext>
+            </a:extLst>
+          </p:cNvPr>
+          <p:cNvSpPr txBox="1"/>
+          <p:nvPr/>
+        </p:nvSpPr>
+        <p:spPr>
+          <a:xfrm>
+            <a:off x="6686550" y="3651674"/>
+            <a:ext cx="1779270" cy="430887"/>
+          </a:xfrm>
+          <a:prstGeom prst="rect">
+            <a:avLst/>
+          </a:prstGeom>
+          <a:noFill/>
+        </p:spPr>
+        <p:txBody>
+          <a:bodyPr wrap="square" rtlCol="0">
+            <a:spAutoFit/>
+          </a:bodyPr>
+          <a:lstStyle/>
+          <a:p>
+            <a:r>
+              <a:rPr lang="en-US" sz="1100" dirty="0"/>
+              <a:t>Returns longest trips</a:t>
+            </a:r>
+          </a:p>
+          <a:p>
+            <a:r>
+              <a:rPr lang="en-US" sz="1100" dirty="0"/>
+              <a:t>O( V * (V  + E ))</a:t>
+            </a:r>
           </a:p>
         </p:txBody>
       </p:sp>
     </p:spTree>
     <p:extLst>
       <p:ext uri="{BB962C8B-B14F-4D97-AF65-F5344CB8AC3E}">
-        <p14:creationId xmlns:p14="http://schemas.microsoft.com/office/powerpoint/2010/main" val="1661919367"/>
+        <p14:creationId xmlns:p14="http://schemas.microsoft.com/office/powerpoint/2010/main" val="436518473"/>
       </p:ext>
     </p:extLst>
   </p:cSld>
@@ -4662,7 +7167,7 @@
           <p:cNvPr id="2" name="Título 1">
             <a:extLst>
               <a:ext uri="{FF2B5EF4-FFF2-40B4-BE49-F238E27FC236}">
-                <a16:creationId xmlns:a16="http://schemas.microsoft.com/office/drawing/2014/main" id="{13A02896-D8C0-5E47-A576-3AC774E2B283}"/>
+                <a16:creationId xmlns:a16="http://schemas.microsoft.com/office/drawing/2014/main" id="{6366F0B9-87B8-B9AC-686D-6907DA21B35D}"/>
               </a:ext>
             </a:extLst>
           </p:cNvPr>
@@ -4680,40 +7185,50 @@
           <a:p>
             <a:r>
               <a:rPr lang="pt-PT" dirty="0"/>
-              <a:t>Destaques</a:t>
-            </a:r>
-          </a:p>
-        </p:txBody>
-      </p:sp>
-      <p:sp>
-        <p:nvSpPr>
-          <p:cNvPr id="3" name="Marcador de Posição de Conteúdo 2">
+              <a:t>Interface com o utilizador</a:t>
+            </a:r>
+          </a:p>
+        </p:txBody>
+      </p:sp>
+      <p:pic>
+        <p:nvPicPr>
+          <p:cNvPr id="5" name="Marcador de Posição de Conteúdo 4">
             <a:extLst>
               <a:ext uri="{FF2B5EF4-FFF2-40B4-BE49-F238E27FC236}">
-                <a16:creationId xmlns:a16="http://schemas.microsoft.com/office/drawing/2014/main" id="{60E5ACBD-E919-5699-5ACB-36CB819A07D6}"/>
+                <a16:creationId xmlns:a16="http://schemas.microsoft.com/office/drawing/2014/main" id="{4BBEB6F0-FA48-4B40-A0E9-B771D97CA54F}"/>
               </a:ext>
             </a:extLst>
           </p:cNvPr>
-          <p:cNvSpPr>
-            <a:spLocks noGrp="1"/>
-          </p:cNvSpPr>
+          <p:cNvPicPr>
+            <a:picLocks noGrp="1" noChangeAspect="1"/>
+          </p:cNvPicPr>
           <p:nvPr>
             <p:ph idx="1"/>
           </p:nvPr>
-        </p:nvSpPr>
-        <p:spPr/>
-        <p:txBody>
-          <a:bodyPr/>
-          <a:lstStyle/>
-          <a:p>
-            <a:endParaRPr lang="pt-PT"/>
-          </a:p>
-        </p:txBody>
-      </p:sp>
+        </p:nvPicPr>
+        <p:blipFill>
+          <a:blip r:embed="rId2">
+            <a:extLst>
+              <a:ext uri="{28A0092B-C50C-407E-A947-70E740481C1C}">
+                <a14:useLocalDpi xmlns:a14="http://schemas.microsoft.com/office/drawing/2010/main" val="0"/>
+              </a:ext>
+            </a:extLst>
+          </a:blip>
+          <a:stretch>
+            <a:fillRect/>
+          </a:stretch>
+        </p:blipFill>
+        <p:spPr>
+          <a:xfrm>
+            <a:off x="3657462" y="2396355"/>
+            <a:ext cx="4511178" cy="3168566"/>
+          </a:xfrm>
+        </p:spPr>
+      </p:pic>
     </p:spTree>
     <p:extLst>
       <p:ext uri="{BB962C8B-B14F-4D97-AF65-F5344CB8AC3E}">
-        <p14:creationId xmlns:p14="http://schemas.microsoft.com/office/powerpoint/2010/main" val="964518169"/>
+        <p14:creationId xmlns:p14="http://schemas.microsoft.com/office/powerpoint/2010/main" val="1661919367"/>
       </p:ext>
     </p:extLst>
   </p:cSld>
@@ -4745,7 +7260,7 @@
           <p:cNvPr id="2" name="Título 1">
             <a:extLst>
               <a:ext uri="{FF2B5EF4-FFF2-40B4-BE49-F238E27FC236}">
-                <a16:creationId xmlns:a16="http://schemas.microsoft.com/office/drawing/2014/main" id="{B8430ED4-AA83-DDDF-CC33-45A7DE345B84}"/>
+                <a16:creationId xmlns:a16="http://schemas.microsoft.com/office/drawing/2014/main" id="{13A02896-D8C0-5E47-A576-3AC774E2B283}"/>
               </a:ext>
             </a:extLst>
           </p:cNvPr>
@@ -4763,8 +7278,13 @@
           <a:p>
             <a:r>
               <a:rPr lang="pt-PT" dirty="0"/>
-              <a:t>Principais dificuldades encontradas</a:t>
-            </a:r>
+              <a:t>Destaques e </a:t>
+            </a:r>
+            <a:r>
+              <a:rPr lang="pt-PT" dirty="0" err="1"/>
+              <a:t>Disficuldades</a:t>
+            </a:r>
+            <a:endParaRPr lang="pt-PT" dirty="0"/>
           </a:p>
         </p:txBody>
       </p:sp>
@@ -4773,7 +7293,7 @@
           <p:cNvPr id="3" name="Marcador de Posição de Conteúdo 2">
             <a:extLst>
               <a:ext uri="{FF2B5EF4-FFF2-40B4-BE49-F238E27FC236}">
-                <a16:creationId xmlns:a16="http://schemas.microsoft.com/office/drawing/2014/main" id="{08C304DF-2456-88B1-BB12-4C927303EDDF}"/>
+                <a16:creationId xmlns:a16="http://schemas.microsoft.com/office/drawing/2014/main" id="{60E5ACBD-E919-5699-5ACB-36CB819A07D6}"/>
               </a:ext>
             </a:extLst>
           </p:cNvPr>
@@ -4789,6 +7309,34 @@
           <a:bodyPr/>
           <a:lstStyle/>
           <a:p>
+            <a:r>
+              <a:rPr lang="pt-PT" dirty="0"/>
+              <a:t>Funcionalidade de obter o melhor voo possível</a:t>
+            </a:r>
+          </a:p>
+          <a:p>
+            <a:r>
+              <a:rPr lang="pt-PT" dirty="0"/>
+              <a:t>Utilização das </a:t>
+            </a:r>
+            <a:r>
+              <a:rPr lang="pt-PT" dirty="0" err="1"/>
+              <a:t>hash</a:t>
+            </a:r>
+            <a:r>
+              <a:rPr lang="pt-PT" dirty="0"/>
+              <a:t> </a:t>
+            </a:r>
+            <a:r>
+              <a:rPr lang="pt-PT" dirty="0" err="1"/>
+              <a:t>tables</a:t>
+            </a:r>
+            <a:r>
+              <a:rPr lang="pt-PT" dirty="0"/>
+              <a:t> de modo a reduzir significativamente a complexidade do programa</a:t>
+            </a:r>
+          </a:p>
+          <a:p>
             <a:endParaRPr lang="pt-PT" dirty="0"/>
           </a:p>
         </p:txBody>
@@ -4796,7 +7344,7 @@
     </p:spTree>
     <p:extLst>
       <p:ext uri="{BB962C8B-B14F-4D97-AF65-F5344CB8AC3E}">
-        <p14:creationId xmlns:p14="http://schemas.microsoft.com/office/powerpoint/2010/main" val="3493433091"/>
+        <p14:creationId xmlns:p14="http://schemas.microsoft.com/office/powerpoint/2010/main" val="964518169"/>
       </p:ext>
     </p:extLst>
   </p:cSld>
